--- a/ui_design/ui_design.pptx
+++ b/ui_design/ui_design.pptx
@@ -120,6 +120,11 @@
       </a:defRPr>
     </a:lvl9pPr>
   </p:defaultTextStyle>
+  <p:extLst>
+    <p:ext uri="{EFAFB233-063F-42B5-8137-9DF3F51BA10A}">
+      <p15:sldGuideLst xmlns:p15="http://schemas.microsoft.com/office/powerpoint/2012/main"/>
+    </p:ext>
+  </p:extLst>
 </p:presentation>
 </file>
 
@@ -270,7 +275,7 @@
           <a:p>
             <a:fld id="{4E1E5F72-C8AF-4645-8B82-37243AE004C2}" type="datetimeFigureOut">
               <a:rPr lang="ko-KR" altLang="en-US" smtClean="0"/>
-              <a:t>2020-06-12</a:t>
+              <a:t>2020-06-13</a:t>
             </a:fld>
             <a:endParaRPr lang="ko-KR" altLang="en-US"/>
           </a:p>
@@ -468,7 +473,7 @@
           <a:p>
             <a:fld id="{4E1E5F72-C8AF-4645-8B82-37243AE004C2}" type="datetimeFigureOut">
               <a:rPr lang="ko-KR" altLang="en-US" smtClean="0"/>
-              <a:t>2020-06-12</a:t>
+              <a:t>2020-06-13</a:t>
             </a:fld>
             <a:endParaRPr lang="ko-KR" altLang="en-US"/>
           </a:p>
@@ -676,7 +681,7 @@
           <a:p>
             <a:fld id="{4E1E5F72-C8AF-4645-8B82-37243AE004C2}" type="datetimeFigureOut">
               <a:rPr lang="ko-KR" altLang="en-US" smtClean="0"/>
-              <a:t>2020-06-12</a:t>
+              <a:t>2020-06-13</a:t>
             </a:fld>
             <a:endParaRPr lang="ko-KR" altLang="en-US"/>
           </a:p>
@@ -874,7 +879,7 @@
           <a:p>
             <a:fld id="{4E1E5F72-C8AF-4645-8B82-37243AE004C2}" type="datetimeFigureOut">
               <a:rPr lang="ko-KR" altLang="en-US" smtClean="0"/>
-              <a:t>2020-06-12</a:t>
+              <a:t>2020-06-13</a:t>
             </a:fld>
             <a:endParaRPr lang="ko-KR" altLang="en-US"/>
           </a:p>
@@ -1149,7 +1154,7 @@
           <a:p>
             <a:fld id="{4E1E5F72-C8AF-4645-8B82-37243AE004C2}" type="datetimeFigureOut">
               <a:rPr lang="ko-KR" altLang="en-US" smtClean="0"/>
-              <a:t>2020-06-12</a:t>
+              <a:t>2020-06-13</a:t>
             </a:fld>
             <a:endParaRPr lang="ko-KR" altLang="en-US"/>
           </a:p>
@@ -1414,7 +1419,7 @@
           <a:p>
             <a:fld id="{4E1E5F72-C8AF-4645-8B82-37243AE004C2}" type="datetimeFigureOut">
               <a:rPr lang="ko-KR" altLang="en-US" smtClean="0"/>
-              <a:t>2020-06-12</a:t>
+              <a:t>2020-06-13</a:t>
             </a:fld>
             <a:endParaRPr lang="ko-KR" altLang="en-US"/>
           </a:p>
@@ -1826,7 +1831,7 @@
           <a:p>
             <a:fld id="{4E1E5F72-C8AF-4645-8B82-37243AE004C2}" type="datetimeFigureOut">
               <a:rPr lang="ko-KR" altLang="en-US" smtClean="0"/>
-              <a:t>2020-06-12</a:t>
+              <a:t>2020-06-13</a:t>
             </a:fld>
             <a:endParaRPr lang="ko-KR" altLang="en-US"/>
           </a:p>
@@ -1967,7 +1972,7 @@
           <a:p>
             <a:fld id="{4E1E5F72-C8AF-4645-8B82-37243AE004C2}" type="datetimeFigureOut">
               <a:rPr lang="ko-KR" altLang="en-US" smtClean="0"/>
-              <a:t>2020-06-12</a:t>
+              <a:t>2020-06-13</a:t>
             </a:fld>
             <a:endParaRPr lang="ko-KR" altLang="en-US"/>
           </a:p>
@@ -2080,7 +2085,7 @@
           <a:p>
             <a:fld id="{4E1E5F72-C8AF-4645-8B82-37243AE004C2}" type="datetimeFigureOut">
               <a:rPr lang="ko-KR" altLang="en-US" smtClean="0"/>
-              <a:t>2020-06-12</a:t>
+              <a:t>2020-06-13</a:t>
             </a:fld>
             <a:endParaRPr lang="ko-KR" altLang="en-US"/>
           </a:p>
@@ -2391,7 +2396,7 @@
           <a:p>
             <a:fld id="{4E1E5F72-C8AF-4645-8B82-37243AE004C2}" type="datetimeFigureOut">
               <a:rPr lang="ko-KR" altLang="en-US" smtClean="0"/>
-              <a:t>2020-06-12</a:t>
+              <a:t>2020-06-13</a:t>
             </a:fld>
             <a:endParaRPr lang="ko-KR" altLang="en-US"/>
           </a:p>
@@ -2679,7 +2684,7 @@
           <a:p>
             <a:fld id="{4E1E5F72-C8AF-4645-8B82-37243AE004C2}" type="datetimeFigureOut">
               <a:rPr lang="ko-KR" altLang="en-US" smtClean="0"/>
-              <a:t>2020-06-12</a:t>
+              <a:t>2020-06-13</a:t>
             </a:fld>
             <a:endParaRPr lang="ko-KR" altLang="en-US"/>
           </a:p>
@@ -2920,7 +2925,7 @@
           <a:p>
             <a:fld id="{4E1E5F72-C8AF-4645-8B82-37243AE004C2}" type="datetimeFigureOut">
               <a:rPr lang="ko-KR" altLang="en-US" smtClean="0"/>
-              <a:t>2020-06-12</a:t>
+              <a:t>2020-06-13</a:t>
             </a:fld>
             <a:endParaRPr lang="ko-KR" altLang="en-US"/>
           </a:p>

--- a/ui_design/ui_design.pptx
+++ b/ui_design/ui_design.pptx
@@ -14,8 +14,8 @@
     <p:sldId id="259" r:id="rId8"/>
     <p:sldId id="261" r:id="rId9"/>
     <p:sldId id="262" r:id="rId10"/>
-    <p:sldId id="265" r:id="rId11"/>
-    <p:sldId id="276" r:id="rId12"/>
+    <p:sldId id="276" r:id="rId11"/>
+    <p:sldId id="277" r:id="rId12"/>
     <p:sldId id="260" r:id="rId13"/>
     <p:sldId id="275" r:id="rId14"/>
     <p:sldId id="266" r:id="rId15"/>
@@ -275,7 +275,7 @@
           <a:p>
             <a:fld id="{4E1E5F72-C8AF-4645-8B82-37243AE004C2}" type="datetimeFigureOut">
               <a:rPr lang="ko-KR" altLang="en-US" smtClean="0"/>
-              <a:t>2020-06-13</a:t>
+              <a:t>2020-06-18</a:t>
             </a:fld>
             <a:endParaRPr lang="ko-KR" altLang="en-US"/>
           </a:p>
@@ -473,7 +473,7 @@
           <a:p>
             <a:fld id="{4E1E5F72-C8AF-4645-8B82-37243AE004C2}" type="datetimeFigureOut">
               <a:rPr lang="ko-KR" altLang="en-US" smtClean="0"/>
-              <a:t>2020-06-13</a:t>
+              <a:t>2020-06-18</a:t>
             </a:fld>
             <a:endParaRPr lang="ko-KR" altLang="en-US"/>
           </a:p>
@@ -681,7 +681,7 @@
           <a:p>
             <a:fld id="{4E1E5F72-C8AF-4645-8B82-37243AE004C2}" type="datetimeFigureOut">
               <a:rPr lang="ko-KR" altLang="en-US" smtClean="0"/>
-              <a:t>2020-06-13</a:t>
+              <a:t>2020-06-18</a:t>
             </a:fld>
             <a:endParaRPr lang="ko-KR" altLang="en-US"/>
           </a:p>
@@ -879,7 +879,7 @@
           <a:p>
             <a:fld id="{4E1E5F72-C8AF-4645-8B82-37243AE004C2}" type="datetimeFigureOut">
               <a:rPr lang="ko-KR" altLang="en-US" smtClean="0"/>
-              <a:t>2020-06-13</a:t>
+              <a:t>2020-06-18</a:t>
             </a:fld>
             <a:endParaRPr lang="ko-KR" altLang="en-US"/>
           </a:p>
@@ -1154,7 +1154,7 @@
           <a:p>
             <a:fld id="{4E1E5F72-C8AF-4645-8B82-37243AE004C2}" type="datetimeFigureOut">
               <a:rPr lang="ko-KR" altLang="en-US" smtClean="0"/>
-              <a:t>2020-06-13</a:t>
+              <a:t>2020-06-18</a:t>
             </a:fld>
             <a:endParaRPr lang="ko-KR" altLang="en-US"/>
           </a:p>
@@ -1419,7 +1419,7 @@
           <a:p>
             <a:fld id="{4E1E5F72-C8AF-4645-8B82-37243AE004C2}" type="datetimeFigureOut">
               <a:rPr lang="ko-KR" altLang="en-US" smtClean="0"/>
-              <a:t>2020-06-13</a:t>
+              <a:t>2020-06-18</a:t>
             </a:fld>
             <a:endParaRPr lang="ko-KR" altLang="en-US"/>
           </a:p>
@@ -1831,7 +1831,7 @@
           <a:p>
             <a:fld id="{4E1E5F72-C8AF-4645-8B82-37243AE004C2}" type="datetimeFigureOut">
               <a:rPr lang="ko-KR" altLang="en-US" smtClean="0"/>
-              <a:t>2020-06-13</a:t>
+              <a:t>2020-06-18</a:t>
             </a:fld>
             <a:endParaRPr lang="ko-KR" altLang="en-US"/>
           </a:p>
@@ -1972,7 +1972,7 @@
           <a:p>
             <a:fld id="{4E1E5F72-C8AF-4645-8B82-37243AE004C2}" type="datetimeFigureOut">
               <a:rPr lang="ko-KR" altLang="en-US" smtClean="0"/>
-              <a:t>2020-06-13</a:t>
+              <a:t>2020-06-18</a:t>
             </a:fld>
             <a:endParaRPr lang="ko-KR" altLang="en-US"/>
           </a:p>
@@ -2085,7 +2085,7 @@
           <a:p>
             <a:fld id="{4E1E5F72-C8AF-4645-8B82-37243AE004C2}" type="datetimeFigureOut">
               <a:rPr lang="ko-KR" altLang="en-US" smtClean="0"/>
-              <a:t>2020-06-13</a:t>
+              <a:t>2020-06-18</a:t>
             </a:fld>
             <a:endParaRPr lang="ko-KR" altLang="en-US"/>
           </a:p>
@@ -2396,7 +2396,7 @@
           <a:p>
             <a:fld id="{4E1E5F72-C8AF-4645-8B82-37243AE004C2}" type="datetimeFigureOut">
               <a:rPr lang="ko-KR" altLang="en-US" smtClean="0"/>
-              <a:t>2020-06-13</a:t>
+              <a:t>2020-06-18</a:t>
             </a:fld>
             <a:endParaRPr lang="ko-KR" altLang="en-US"/>
           </a:p>
@@ -2684,7 +2684,7 @@
           <a:p>
             <a:fld id="{4E1E5F72-C8AF-4645-8B82-37243AE004C2}" type="datetimeFigureOut">
               <a:rPr lang="ko-KR" altLang="en-US" smtClean="0"/>
-              <a:t>2020-06-13</a:t>
+              <a:t>2020-06-18</a:t>
             </a:fld>
             <a:endParaRPr lang="ko-KR" altLang="en-US"/>
           </a:p>
@@ -2925,7 +2925,7 @@
           <a:p>
             <a:fld id="{4E1E5F72-C8AF-4645-8B82-37243AE004C2}" type="datetimeFigureOut">
               <a:rPr lang="ko-KR" altLang="en-US" smtClean="0"/>
-              <a:t>2020-06-13</a:t>
+              <a:t>2020-06-18</a:t>
             </a:fld>
             <a:endParaRPr lang="ko-KR" altLang="en-US"/>
           </a:p>
@@ -3843,239 +3843,10 @@
           </p:txBody>
         </p:sp>
       </p:grpSp>
-      <p:sp>
-        <p:nvSpPr>
-          <p:cNvPr id="19" name="TextBox 18">
-            <a:extLst>
-              <a:ext uri="{FF2B5EF4-FFF2-40B4-BE49-F238E27FC236}">
-                <a16:creationId xmlns:a16="http://schemas.microsoft.com/office/drawing/2014/main" id="{4C3F69CB-32B6-40D0-A554-640F5759BD58}"/>
-              </a:ext>
-            </a:extLst>
-          </p:cNvPr>
-          <p:cNvSpPr txBox="1"/>
-          <p:nvPr/>
-        </p:nvSpPr>
-        <p:spPr>
-          <a:xfrm>
-            <a:off x="2193608" y="1615195"/>
-            <a:ext cx="877163" cy="369332"/>
-          </a:xfrm>
-          <a:prstGeom prst="rect">
-            <a:avLst/>
-          </a:prstGeom>
-          <a:noFill/>
-        </p:spPr>
-        <p:txBody>
-          <a:bodyPr wrap="none" rtlCol="0">
-            <a:spAutoFit/>
-          </a:bodyPr>
-          <a:lstStyle/>
-          <a:p>
-            <a:r>
-              <a:rPr lang="ko-KR" altLang="en-US" dirty="0">
-                <a:solidFill>
-                  <a:schemeClr val="bg1"/>
-                </a:solidFill>
-              </a:rPr>
-              <a:t>예상도</a:t>
-            </a:r>
-            <a:endParaRPr lang="en-US" altLang="ko-KR" dirty="0">
-              <a:solidFill>
-                <a:schemeClr val="bg1"/>
-              </a:solidFill>
-            </a:endParaRPr>
-          </a:p>
-        </p:txBody>
-      </p:sp>
-      <p:pic>
-        <p:nvPicPr>
-          <p:cNvPr id="22" name="그림 21" descr="셔츠, 그리기이(가) 표시된 사진&#10;&#10;자동 생성된 설명">
-            <a:extLst>
-              <a:ext uri="{FF2B5EF4-FFF2-40B4-BE49-F238E27FC236}">
-                <a16:creationId xmlns:a16="http://schemas.microsoft.com/office/drawing/2014/main" id="{8F1A4111-6E79-4F54-B52A-186D82B1533F}"/>
-              </a:ext>
-            </a:extLst>
-          </p:cNvPr>
-          <p:cNvPicPr>
-            <a:picLocks noChangeAspect="1"/>
-          </p:cNvPicPr>
-          <p:nvPr/>
-        </p:nvPicPr>
-        <p:blipFill>
-          <a:blip r:embed="rId4">
-            <a:extLst>
-              <a:ext uri="{28A0092B-C50C-407E-A947-70E740481C1C}">
-                <a14:useLocalDpi xmlns:a14="http://schemas.microsoft.com/office/drawing/2010/main" val="0"/>
-              </a:ext>
-            </a:extLst>
-          </a:blip>
-          <a:stretch>
-            <a:fillRect/>
-          </a:stretch>
-        </p:blipFill>
-        <p:spPr>
-          <a:xfrm>
-            <a:off x="5211924" y="5319749"/>
-            <a:ext cx="1868819" cy="622357"/>
-          </a:xfrm>
-          <a:prstGeom prst="rect">
-            <a:avLst/>
-          </a:prstGeom>
-        </p:spPr>
-      </p:pic>
-      <p:pic>
-        <p:nvPicPr>
-          <p:cNvPr id="27" name="그림 26" descr="셔츠, 음식, 그리기이(가) 표시된 사진&#10;&#10;자동 생성된 설명">
-            <a:extLst>
-              <a:ext uri="{FF2B5EF4-FFF2-40B4-BE49-F238E27FC236}">
-                <a16:creationId xmlns:a16="http://schemas.microsoft.com/office/drawing/2014/main" id="{D75FF5AA-E550-462C-88B0-719191CA90DE}"/>
-              </a:ext>
-            </a:extLst>
-          </p:cNvPr>
-          <p:cNvPicPr>
-            <a:picLocks noChangeAspect="1"/>
-          </p:cNvPicPr>
-          <p:nvPr/>
-        </p:nvPicPr>
-        <p:blipFill>
-          <a:blip r:embed="rId5">
-            <a:extLst>
-              <a:ext uri="{28A0092B-C50C-407E-A947-70E740481C1C}">
-                <a14:useLocalDpi xmlns:a14="http://schemas.microsoft.com/office/drawing/2010/main" val="0"/>
-              </a:ext>
-            </a:extLst>
-          </a:blip>
-          <a:stretch>
-            <a:fillRect/>
-          </a:stretch>
-        </p:blipFill>
-        <p:spPr>
-          <a:xfrm>
-            <a:off x="4463310" y="3346502"/>
-            <a:ext cx="1051288" cy="1305896"/>
-          </a:xfrm>
-          <a:prstGeom prst="rect">
-            <a:avLst/>
-          </a:prstGeom>
-        </p:spPr>
-      </p:pic>
-      <p:pic>
-        <p:nvPicPr>
-          <p:cNvPr id="29" name="그림 28" descr="셔츠, 음식, 그리기이(가) 표시된 사진&#10;&#10;자동 생성된 설명">
-            <a:extLst>
-              <a:ext uri="{FF2B5EF4-FFF2-40B4-BE49-F238E27FC236}">
-                <a16:creationId xmlns:a16="http://schemas.microsoft.com/office/drawing/2014/main" id="{8D9A5C8F-B939-4D25-A5F2-A5A593230205}"/>
-              </a:ext>
-            </a:extLst>
-          </p:cNvPr>
-          <p:cNvPicPr>
-            <a:picLocks noChangeAspect="1"/>
-          </p:cNvPicPr>
-          <p:nvPr/>
-        </p:nvPicPr>
-        <p:blipFill>
-          <a:blip r:embed="rId5">
-            <a:extLst>
-              <a:ext uri="{28A0092B-C50C-407E-A947-70E740481C1C}">
-                <a14:useLocalDpi xmlns:a14="http://schemas.microsoft.com/office/drawing/2010/main" val="0"/>
-              </a:ext>
-            </a:extLst>
-          </a:blip>
-          <a:stretch>
-            <a:fillRect/>
-          </a:stretch>
-        </p:blipFill>
-        <p:spPr>
-          <a:xfrm>
-            <a:off x="5617122" y="3346502"/>
-            <a:ext cx="1051288" cy="1305896"/>
-          </a:xfrm>
-          <a:prstGeom prst="rect">
-            <a:avLst/>
-          </a:prstGeom>
-        </p:spPr>
-      </p:pic>
-      <p:pic>
-        <p:nvPicPr>
-          <p:cNvPr id="30" name="그림 29" descr="셔츠, 음식, 그리기이(가) 표시된 사진&#10;&#10;자동 생성된 설명">
-            <a:extLst>
-              <a:ext uri="{FF2B5EF4-FFF2-40B4-BE49-F238E27FC236}">
-                <a16:creationId xmlns:a16="http://schemas.microsoft.com/office/drawing/2014/main" id="{56FF5B38-AE00-442C-8AAB-A96C43585DE6}"/>
-              </a:ext>
-            </a:extLst>
-          </p:cNvPr>
-          <p:cNvPicPr>
-            <a:picLocks noChangeAspect="1"/>
-          </p:cNvPicPr>
-          <p:nvPr/>
-        </p:nvPicPr>
-        <p:blipFill>
-          <a:blip r:embed="rId5">
-            <a:extLst>
-              <a:ext uri="{28A0092B-C50C-407E-A947-70E740481C1C}">
-                <a14:useLocalDpi xmlns:a14="http://schemas.microsoft.com/office/drawing/2010/main" val="0"/>
-              </a:ext>
-            </a:extLst>
-          </a:blip>
-          <a:stretch>
-            <a:fillRect/>
-          </a:stretch>
-        </p:blipFill>
-        <p:spPr>
-          <a:xfrm>
-            <a:off x="6817799" y="3346502"/>
-            <a:ext cx="1051288" cy="1305896"/>
-          </a:xfrm>
-          <a:prstGeom prst="rect">
-            <a:avLst/>
-          </a:prstGeom>
-        </p:spPr>
-      </p:pic>
-      <p:sp>
-        <p:nvSpPr>
-          <p:cNvPr id="31" name="TextBox 30">
-            <a:extLst>
-              <a:ext uri="{FF2B5EF4-FFF2-40B4-BE49-F238E27FC236}">
-                <a16:creationId xmlns:a16="http://schemas.microsoft.com/office/drawing/2014/main" id="{52945ADE-8995-42F2-A192-D66E795C359B}"/>
-              </a:ext>
-            </a:extLst>
-          </p:cNvPr>
-          <p:cNvSpPr txBox="1"/>
-          <p:nvPr/>
-        </p:nvSpPr>
-        <p:spPr>
-          <a:xfrm>
-            <a:off x="4286774" y="4701286"/>
-            <a:ext cx="3707934" cy="369332"/>
-          </a:xfrm>
-          <a:prstGeom prst="rect">
-            <a:avLst/>
-          </a:prstGeom>
-          <a:noFill/>
-        </p:spPr>
-        <p:txBody>
-          <a:bodyPr wrap="square" rtlCol="0" anchor="ctr">
-            <a:spAutoFit/>
-          </a:bodyPr>
-          <a:lstStyle/>
-          <a:p>
-            <a:pPr algn="ctr"/>
-            <a:r>
-              <a:rPr lang="en-US" altLang="ko-KR" dirty="0">
-                <a:latin typeface="Chiller" panose="04020404031007020602" pitchFamily="82" charset="0"/>
-              </a:rPr>
-              <a:t>Increases weapon attack by 10%.</a:t>
-            </a:r>
-            <a:endParaRPr lang="ko-KR" altLang="en-US" dirty="0">
-              <a:latin typeface="Chiller" panose="04020404031007020602" pitchFamily="82" charset="0"/>
-            </a:endParaRPr>
-          </a:p>
-        </p:txBody>
-      </p:sp>
     </p:spTree>
     <p:extLst>
       <p:ext uri="{BB962C8B-B14F-4D97-AF65-F5344CB8AC3E}">
-        <p14:creationId xmlns:p14="http://schemas.microsoft.com/office/powerpoint/2010/main" val="1529763946"/>
+        <p14:creationId xmlns:p14="http://schemas.microsoft.com/office/powerpoint/2010/main" val="760381306"/>
       </p:ext>
     </p:extLst>
   </p:cSld>
@@ -4102,61 +3873,6 @@
           <a:chExt cx="0" cy="0"/>
         </a:xfrm>
       </p:grpSpPr>
-      <p:sp>
-        <p:nvSpPr>
-          <p:cNvPr id="7" name="직사각형 6">
-            <a:extLst>
-              <a:ext uri="{FF2B5EF4-FFF2-40B4-BE49-F238E27FC236}">
-                <a16:creationId xmlns:a16="http://schemas.microsoft.com/office/drawing/2014/main" id="{B91D2A3C-2C90-4554-86E6-C25176FFC356}"/>
-              </a:ext>
-            </a:extLst>
-          </p:cNvPr>
-          <p:cNvSpPr/>
-          <p:nvPr/>
-        </p:nvSpPr>
-        <p:spPr>
-          <a:xfrm>
-            <a:off x="0" y="0"/>
-            <a:ext cx="12192000" cy="6795083"/>
-          </a:xfrm>
-          <a:prstGeom prst="rect">
-            <a:avLst/>
-          </a:prstGeom>
-          <a:solidFill>
-            <a:schemeClr val="tx1">
-              <a:lumMod val="85000"/>
-              <a:lumOff val="15000"/>
-            </a:schemeClr>
-          </a:solidFill>
-          <a:ln>
-            <a:noFill/>
-          </a:ln>
-        </p:spPr>
-        <p:style>
-          <a:lnRef idx="2">
-            <a:schemeClr val="dk1">
-              <a:shade val="50000"/>
-            </a:schemeClr>
-          </a:lnRef>
-          <a:fillRef idx="1">
-            <a:schemeClr val="dk1"/>
-          </a:fillRef>
-          <a:effectRef idx="0">
-            <a:schemeClr val="dk1"/>
-          </a:effectRef>
-          <a:fontRef idx="minor">
-            <a:schemeClr val="lt1"/>
-          </a:fontRef>
-        </p:style>
-        <p:txBody>
-          <a:bodyPr rtlCol="0" anchor="ctr"/>
-          <a:lstStyle/>
-          <a:p>
-            <a:pPr algn="ctr"/>
-            <a:endParaRPr lang="ko-KR" altLang="en-US"/>
-          </a:p>
-        </p:txBody>
-      </p:sp>
       <p:pic>
         <p:nvPicPr>
           <p:cNvPr id="10" name="그림 9" descr="앉아있는, 테이블, 실내, 컴퓨터이(가) 표시된 사진&#10;&#10;자동 생성된 설명">
@@ -4196,15 +3912,15 @@
       </p:pic>
       <p:pic>
         <p:nvPicPr>
-          <p:cNvPr id="8" name="Picture 4" descr="Brush PNG Images, Brush Stroke, Brush Effect Clipart Download ...">
-            <a:extLst>
-              <a:ext uri="{FF2B5EF4-FFF2-40B4-BE49-F238E27FC236}">
-                <a16:creationId xmlns:a16="http://schemas.microsoft.com/office/drawing/2014/main" id="{41695B71-85D6-452C-A8CF-B2BC6E5ACB1D}"/>
+          <p:cNvPr id="3" name="그림 2" descr="개체, 표지판, 전면, 쥐고있는이(가) 표시된 사진&#10;&#10;자동 생성된 설명">
+            <a:extLst>
+              <a:ext uri="{FF2B5EF4-FFF2-40B4-BE49-F238E27FC236}">
+                <a16:creationId xmlns:a16="http://schemas.microsoft.com/office/drawing/2014/main" id="{337E9CE4-BE76-4F68-9417-CDF3A92403C6}"/>
               </a:ext>
             </a:extLst>
           </p:cNvPr>
           <p:cNvPicPr>
-            <a:picLocks noChangeAspect="1" noChangeArrowheads="1"/>
+            <a:picLocks noChangeAspect="1"/>
           </p:cNvPicPr>
           <p:nvPr/>
         </p:nvPicPr>
@@ -4216,37 +3932,67 @@
               </a:ext>
             </a:extLst>
           </a:blip>
-          <a:srcRect/>
           <a:stretch>
             <a:fillRect/>
           </a:stretch>
         </p:blipFill>
-        <p:spPr bwMode="auto">
-          <a:xfrm>
-            <a:off x="4999559" y="1466253"/>
-            <a:ext cx="2343884" cy="828961"/>
+        <p:spPr>
+          <a:xfrm>
+            <a:off x="5568650" y="1981909"/>
+            <a:ext cx="1054699" cy="1048603"/>
+          </a:xfrm>
+          <a:prstGeom prst="rect">
+            <a:avLst/>
+          </a:prstGeom>
+        </p:spPr>
+      </p:pic>
+      <p:sp>
+        <p:nvSpPr>
+          <p:cNvPr id="12" name="TextBox 11">
+            <a:extLst>
+              <a:ext uri="{FF2B5EF4-FFF2-40B4-BE49-F238E27FC236}">
+                <a16:creationId xmlns:a16="http://schemas.microsoft.com/office/drawing/2014/main" id="{4A8D5D05-0101-4CF8-ABBF-F33EBB438DB1}"/>
+              </a:ext>
+            </a:extLst>
+          </p:cNvPr>
+          <p:cNvSpPr txBox="1"/>
+          <p:nvPr/>
+        </p:nvSpPr>
+        <p:spPr>
+          <a:xfrm>
+            <a:off x="4271248" y="3084240"/>
+            <a:ext cx="3706326" cy="538568"/>
           </a:xfrm>
           <a:prstGeom prst="rect">
             <a:avLst/>
           </a:prstGeom>
           <a:noFill/>
-          <a:extLst>
-            <a:ext uri="{909E8E84-426E-40DD-AFC4-6F175D3DCCD1}">
-              <a14:hiddenFill xmlns:a14="http://schemas.microsoft.com/office/drawing/2010/main">
-                <a:solidFill>
-                  <a:srgbClr val="FFFFFF"/>
-                </a:solidFill>
-              </a14:hiddenFill>
-            </a:ext>
-          </a:extLst>
-        </p:spPr>
-      </p:pic>
-      <p:sp>
-        <p:nvSpPr>
-          <p:cNvPr id="9" name="TextBox 8">
-            <a:extLst>
-              <a:ext uri="{FF2B5EF4-FFF2-40B4-BE49-F238E27FC236}">
-                <a16:creationId xmlns:a16="http://schemas.microsoft.com/office/drawing/2014/main" id="{0C69F056-BCCB-4EC1-AA2B-E7701D31EAB7}"/>
+        </p:spPr>
+        <p:txBody>
+          <a:bodyPr wrap="square" rtlCol="0" anchor="ctr">
+            <a:spAutoFit/>
+          </a:bodyPr>
+          <a:lstStyle/>
+          <a:p>
+            <a:pPr algn="ctr"/>
+            <a:r>
+              <a:rPr lang="en-US" altLang="ko-KR" sz="2800">
+                <a:latin typeface="Chiller" panose="04020404031007020602" pitchFamily="82" charset="0"/>
+              </a:rPr>
+              <a:t>Weapon Attack Force</a:t>
+            </a:r>
+            <a:endParaRPr lang="ko-KR" altLang="en-US" sz="2800" dirty="0">
+              <a:latin typeface="Chiller" panose="04020404031007020602" pitchFamily="82" charset="0"/>
+            </a:endParaRPr>
+          </a:p>
+        </p:txBody>
+      </p:sp>
+      <p:sp>
+        <p:nvSpPr>
+          <p:cNvPr id="13" name="TextBox 12">
+            <a:extLst>
+              <a:ext uri="{FF2B5EF4-FFF2-40B4-BE49-F238E27FC236}">
+                <a16:creationId xmlns:a16="http://schemas.microsoft.com/office/drawing/2014/main" id="{D2E83334-2020-4D8C-A782-3534A37ECC3D}"/>
               </a:ext>
             </a:extLst>
           </p:cNvPr>
@@ -4255,8 +4001,8 @@
         </p:nvSpPr>
         <p:spPr>
           <a:xfrm>
-            <a:off x="5226341" y="1538251"/>
-            <a:ext cx="1729028" cy="523220"/>
+            <a:off x="4405618" y="4179334"/>
+            <a:ext cx="3447876" cy="369332"/>
           </a:xfrm>
           <a:prstGeom prst="rect">
             <a:avLst/>
@@ -4271,219 +4017,74 @@
           <a:p>
             <a:pPr algn="ctr"/>
             <a:r>
-              <a:rPr lang="en-US" altLang="ko-KR" sz="2800" dirty="0">
-                <a:solidFill>
-                  <a:schemeClr val="bg1"/>
-                </a:solidFill>
+              <a:rPr lang="en-US" altLang="ko-KR" dirty="0">
                 <a:latin typeface="Chiller" panose="04020404031007020602" pitchFamily="82" charset="0"/>
               </a:rPr>
-              <a:t>Upgrade</a:t>
-            </a:r>
-            <a:endParaRPr lang="ko-KR" altLang="en-US" sz="2800" dirty="0">
-              <a:solidFill>
-                <a:schemeClr val="bg1"/>
-              </a:solidFill>
+              <a:t>Increases weapon attack by 10%.</a:t>
+            </a:r>
+            <a:endParaRPr lang="ko-KR" altLang="en-US" dirty="0">
               <a:latin typeface="Chiller" panose="04020404031007020602" pitchFamily="82" charset="0"/>
             </a:endParaRPr>
           </a:p>
         </p:txBody>
       </p:sp>
-      <p:grpSp>
-        <p:nvGrpSpPr>
-          <p:cNvPr id="5" name="그룹 4">
-            <a:extLst>
-              <a:ext uri="{FF2B5EF4-FFF2-40B4-BE49-F238E27FC236}">
-                <a16:creationId xmlns:a16="http://schemas.microsoft.com/office/drawing/2014/main" id="{9A052D76-ECBA-4EEE-B72C-B3B0C24F0B98}"/>
-              </a:ext>
-            </a:extLst>
-          </p:cNvPr>
-          <p:cNvGrpSpPr/>
+      <p:sp>
+        <p:nvSpPr>
+          <p:cNvPr id="4" name="직사각형 3">
+            <a:extLst>
+              <a:ext uri="{FF2B5EF4-FFF2-40B4-BE49-F238E27FC236}">
+                <a16:creationId xmlns:a16="http://schemas.microsoft.com/office/drawing/2014/main" id="{3C2ED5F5-208B-449C-8CEE-55CEE20D50EA}"/>
+              </a:ext>
+            </a:extLst>
+          </p:cNvPr>
+          <p:cNvSpPr/>
           <p:nvPr/>
-        </p:nvGrpSpPr>
-        <p:grpSpPr>
-          <a:xfrm>
-            <a:off x="4463310" y="2295214"/>
-            <a:ext cx="3366048" cy="1051288"/>
-            <a:chOff x="4443501" y="2295214"/>
-            <a:chExt cx="3366048" cy="1051288"/>
-          </a:xfrm>
-        </p:grpSpPr>
-        <p:sp>
-          <p:nvSpPr>
-            <p:cNvPr id="14" name="사각형: 둥근 모서리 13">
-              <a:extLst>
-                <a:ext uri="{FF2B5EF4-FFF2-40B4-BE49-F238E27FC236}">
-                  <a16:creationId xmlns:a16="http://schemas.microsoft.com/office/drawing/2014/main" id="{4F0EF745-8B18-4AD0-BC66-AAA5F8FFCBAE}"/>
-                </a:ext>
-              </a:extLst>
-            </p:cNvPr>
-            <p:cNvSpPr/>
-            <p:nvPr/>
-          </p:nvSpPr>
-          <p:spPr>
-            <a:xfrm>
-              <a:off x="4443501" y="2295214"/>
-              <a:ext cx="1051288" cy="1051288"/>
-            </a:xfrm>
-            <a:prstGeom prst="roundRect">
-              <a:avLst>
-                <a:gd name="adj" fmla="val 5170"/>
-              </a:avLst>
-            </a:prstGeom>
+        </p:nvSpPr>
+        <p:spPr>
+          <a:xfrm>
+            <a:off x="4405618" y="3778497"/>
+            <a:ext cx="3447876" cy="1171007"/>
+          </a:xfrm>
+          <a:prstGeom prst="rect">
+            <a:avLst/>
+          </a:prstGeom>
+          <a:noFill/>
+          <a:ln>
             <a:solidFill>
-              <a:schemeClr val="tx1">
-                <a:lumMod val="85000"/>
-                <a:lumOff val="15000"/>
-              </a:schemeClr>
+              <a:schemeClr val="tx1"/>
             </a:solidFill>
-            <a:ln>
-              <a:noFill/>
-            </a:ln>
-          </p:spPr>
-          <p:style>
-            <a:lnRef idx="2">
-              <a:schemeClr val="accent1">
-                <a:shade val="50000"/>
-              </a:schemeClr>
-            </a:lnRef>
-            <a:fillRef idx="1">
-              <a:schemeClr val="accent1"/>
-            </a:fillRef>
-            <a:effectRef idx="0">
-              <a:schemeClr val="accent1"/>
-            </a:effectRef>
-            <a:fontRef idx="minor">
-              <a:schemeClr val="lt1"/>
-            </a:fontRef>
-          </p:style>
-          <p:txBody>
-            <a:bodyPr rtlCol="0" anchor="ctr"/>
-            <a:lstStyle/>
-            <a:p>
-              <a:pPr algn="ctr"/>
-              <a:endParaRPr lang="ko-KR" altLang="en-US"/>
-            </a:p>
-          </p:txBody>
-        </p:sp>
-        <p:sp>
-          <p:nvSpPr>
-            <p:cNvPr id="15" name="사각형: 둥근 모서리 14">
-              <a:extLst>
-                <a:ext uri="{FF2B5EF4-FFF2-40B4-BE49-F238E27FC236}">
-                  <a16:creationId xmlns:a16="http://schemas.microsoft.com/office/drawing/2014/main" id="{FABACCE4-4332-4092-A9F5-DED85339D051}"/>
-                </a:ext>
-              </a:extLst>
-            </p:cNvPr>
-            <p:cNvSpPr/>
-            <p:nvPr/>
-          </p:nvSpPr>
-          <p:spPr>
-            <a:xfrm>
-              <a:off x="5600881" y="2295214"/>
-              <a:ext cx="1051288" cy="1051288"/>
-            </a:xfrm>
-            <a:prstGeom prst="roundRect">
-              <a:avLst>
-                <a:gd name="adj" fmla="val 5170"/>
-              </a:avLst>
-            </a:prstGeom>
-            <a:solidFill>
-              <a:schemeClr val="tx1">
-                <a:lumMod val="85000"/>
-                <a:lumOff val="15000"/>
-              </a:schemeClr>
-            </a:solidFill>
-            <a:ln>
-              <a:noFill/>
-            </a:ln>
-          </p:spPr>
-          <p:style>
-            <a:lnRef idx="2">
-              <a:schemeClr val="accent1">
-                <a:shade val="50000"/>
-              </a:schemeClr>
-            </a:lnRef>
-            <a:fillRef idx="1">
-              <a:schemeClr val="accent1"/>
-            </a:fillRef>
-            <a:effectRef idx="0">
-              <a:schemeClr val="accent1"/>
-            </a:effectRef>
-            <a:fontRef idx="minor">
-              <a:schemeClr val="lt1"/>
-            </a:fontRef>
-          </p:style>
-          <p:txBody>
-            <a:bodyPr rtlCol="0" anchor="ctr"/>
-            <a:lstStyle/>
-            <a:p>
-              <a:pPr algn="ctr"/>
-              <a:endParaRPr lang="ko-KR" altLang="en-US"/>
-            </a:p>
-          </p:txBody>
-        </p:sp>
-        <p:sp>
-          <p:nvSpPr>
-            <p:cNvPr id="16" name="사각형: 둥근 모서리 15">
-              <a:extLst>
-                <a:ext uri="{FF2B5EF4-FFF2-40B4-BE49-F238E27FC236}">
-                  <a16:creationId xmlns:a16="http://schemas.microsoft.com/office/drawing/2014/main" id="{D5285074-9A1E-4916-BA94-FF6ECE5B2E1C}"/>
-                </a:ext>
-              </a:extLst>
-            </p:cNvPr>
-            <p:cNvSpPr/>
-            <p:nvPr/>
-          </p:nvSpPr>
-          <p:spPr>
-            <a:xfrm>
-              <a:off x="6758261" y="2295214"/>
-              <a:ext cx="1051288" cy="1051288"/>
-            </a:xfrm>
-            <a:prstGeom prst="roundRect">
-              <a:avLst>
-                <a:gd name="adj" fmla="val 5170"/>
-              </a:avLst>
-            </a:prstGeom>
-            <a:solidFill>
-              <a:schemeClr val="tx1">
-                <a:lumMod val="85000"/>
-                <a:lumOff val="15000"/>
-              </a:schemeClr>
-            </a:solidFill>
-            <a:ln>
-              <a:noFill/>
-            </a:ln>
-          </p:spPr>
-          <p:style>
-            <a:lnRef idx="2">
-              <a:schemeClr val="accent1">
-                <a:shade val="50000"/>
-              </a:schemeClr>
-            </a:lnRef>
-            <a:fillRef idx="1">
-              <a:schemeClr val="accent1"/>
-            </a:fillRef>
-            <a:effectRef idx="0">
-              <a:schemeClr val="accent1"/>
-            </a:effectRef>
-            <a:fontRef idx="minor">
-              <a:schemeClr val="lt1"/>
-            </a:fontRef>
-          </p:style>
-          <p:txBody>
-            <a:bodyPr rtlCol="0" anchor="ctr"/>
-            <a:lstStyle/>
-            <a:p>
-              <a:pPr algn="ctr"/>
-              <a:endParaRPr lang="ko-KR" altLang="en-US"/>
-            </a:p>
-          </p:txBody>
-        </p:sp>
-      </p:grpSp>
+            <a:prstDash val="dash"/>
+          </a:ln>
+        </p:spPr>
+        <p:style>
+          <a:lnRef idx="2">
+            <a:schemeClr val="accent1">
+              <a:shade val="50000"/>
+            </a:schemeClr>
+          </a:lnRef>
+          <a:fillRef idx="1">
+            <a:schemeClr val="accent1"/>
+          </a:fillRef>
+          <a:effectRef idx="0">
+            <a:schemeClr val="accent1"/>
+          </a:effectRef>
+          <a:fontRef idx="minor">
+            <a:schemeClr val="lt1"/>
+          </a:fontRef>
+        </p:style>
+        <p:txBody>
+          <a:bodyPr rtlCol="0" anchor="ctr"/>
+          <a:lstStyle/>
+          <a:p>
+            <a:pPr algn="ctr"/>
+            <a:endParaRPr lang="ko-KR" altLang="en-US"/>
+          </a:p>
+        </p:txBody>
+      </p:sp>
     </p:spTree>
     <p:extLst>
       <p:ext uri="{BB962C8B-B14F-4D97-AF65-F5344CB8AC3E}">
-        <p14:creationId xmlns:p14="http://schemas.microsoft.com/office/powerpoint/2010/main" val="760381306"/>
+        <p14:creationId xmlns:p14="http://schemas.microsoft.com/office/powerpoint/2010/main" val="2029205805"/>
       </p:ext>
     </p:extLst>
   </p:cSld>

--- a/ui_design/ui_design.pptx
+++ b/ui_design/ui_design.pptx
@@ -18,10 +18,16 @@
     <p:sldId id="277" r:id="rId12"/>
     <p:sldId id="260" r:id="rId13"/>
     <p:sldId id="275" r:id="rId14"/>
-    <p:sldId id="266" r:id="rId15"/>
-    <p:sldId id="270" r:id="rId16"/>
-    <p:sldId id="263" r:id="rId17"/>
-    <p:sldId id="268" r:id="rId18"/>
+    <p:sldId id="281" r:id="rId15"/>
+    <p:sldId id="282" r:id="rId16"/>
+    <p:sldId id="266" r:id="rId17"/>
+    <p:sldId id="270" r:id="rId18"/>
+    <p:sldId id="263" r:id="rId19"/>
+    <p:sldId id="268" r:id="rId20"/>
+    <p:sldId id="280" r:id="rId21"/>
+    <p:sldId id="278" r:id="rId22"/>
+    <p:sldId id="257" r:id="rId23"/>
+    <p:sldId id="279" r:id="rId24"/>
   </p:sldIdLst>
   <p:sldSz cx="12192000" cy="6858000"/>
   <p:notesSz cx="6858000" cy="9144000"/>
@@ -275,7 +281,7 @@
           <a:p>
             <a:fld id="{4E1E5F72-C8AF-4645-8B82-37243AE004C2}" type="datetimeFigureOut">
               <a:rPr lang="ko-KR" altLang="en-US" smtClean="0"/>
-              <a:t>2020-06-18</a:t>
+              <a:t>2020-06-26</a:t>
             </a:fld>
             <a:endParaRPr lang="ko-KR" altLang="en-US"/>
           </a:p>
@@ -473,7 +479,7 @@
           <a:p>
             <a:fld id="{4E1E5F72-C8AF-4645-8B82-37243AE004C2}" type="datetimeFigureOut">
               <a:rPr lang="ko-KR" altLang="en-US" smtClean="0"/>
-              <a:t>2020-06-18</a:t>
+              <a:t>2020-06-26</a:t>
             </a:fld>
             <a:endParaRPr lang="ko-KR" altLang="en-US"/>
           </a:p>
@@ -681,7 +687,7 @@
           <a:p>
             <a:fld id="{4E1E5F72-C8AF-4645-8B82-37243AE004C2}" type="datetimeFigureOut">
               <a:rPr lang="ko-KR" altLang="en-US" smtClean="0"/>
-              <a:t>2020-06-18</a:t>
+              <a:t>2020-06-26</a:t>
             </a:fld>
             <a:endParaRPr lang="ko-KR" altLang="en-US"/>
           </a:p>
@@ -879,7 +885,7 @@
           <a:p>
             <a:fld id="{4E1E5F72-C8AF-4645-8B82-37243AE004C2}" type="datetimeFigureOut">
               <a:rPr lang="ko-KR" altLang="en-US" smtClean="0"/>
-              <a:t>2020-06-18</a:t>
+              <a:t>2020-06-26</a:t>
             </a:fld>
             <a:endParaRPr lang="ko-KR" altLang="en-US"/>
           </a:p>
@@ -1154,7 +1160,7 @@
           <a:p>
             <a:fld id="{4E1E5F72-C8AF-4645-8B82-37243AE004C2}" type="datetimeFigureOut">
               <a:rPr lang="ko-KR" altLang="en-US" smtClean="0"/>
-              <a:t>2020-06-18</a:t>
+              <a:t>2020-06-26</a:t>
             </a:fld>
             <a:endParaRPr lang="ko-KR" altLang="en-US"/>
           </a:p>
@@ -1419,7 +1425,7 @@
           <a:p>
             <a:fld id="{4E1E5F72-C8AF-4645-8B82-37243AE004C2}" type="datetimeFigureOut">
               <a:rPr lang="ko-KR" altLang="en-US" smtClean="0"/>
-              <a:t>2020-06-18</a:t>
+              <a:t>2020-06-26</a:t>
             </a:fld>
             <a:endParaRPr lang="ko-KR" altLang="en-US"/>
           </a:p>
@@ -1831,7 +1837,7 @@
           <a:p>
             <a:fld id="{4E1E5F72-C8AF-4645-8B82-37243AE004C2}" type="datetimeFigureOut">
               <a:rPr lang="ko-KR" altLang="en-US" smtClean="0"/>
-              <a:t>2020-06-18</a:t>
+              <a:t>2020-06-26</a:t>
             </a:fld>
             <a:endParaRPr lang="ko-KR" altLang="en-US"/>
           </a:p>
@@ -1972,7 +1978,7 @@
           <a:p>
             <a:fld id="{4E1E5F72-C8AF-4645-8B82-37243AE004C2}" type="datetimeFigureOut">
               <a:rPr lang="ko-KR" altLang="en-US" smtClean="0"/>
-              <a:t>2020-06-18</a:t>
+              <a:t>2020-06-26</a:t>
             </a:fld>
             <a:endParaRPr lang="ko-KR" altLang="en-US"/>
           </a:p>
@@ -2085,7 +2091,7 @@
           <a:p>
             <a:fld id="{4E1E5F72-C8AF-4645-8B82-37243AE004C2}" type="datetimeFigureOut">
               <a:rPr lang="ko-KR" altLang="en-US" smtClean="0"/>
-              <a:t>2020-06-18</a:t>
+              <a:t>2020-06-26</a:t>
             </a:fld>
             <a:endParaRPr lang="ko-KR" altLang="en-US"/>
           </a:p>
@@ -2396,7 +2402,7 @@
           <a:p>
             <a:fld id="{4E1E5F72-C8AF-4645-8B82-37243AE004C2}" type="datetimeFigureOut">
               <a:rPr lang="ko-KR" altLang="en-US" smtClean="0"/>
-              <a:t>2020-06-18</a:t>
+              <a:t>2020-06-26</a:t>
             </a:fld>
             <a:endParaRPr lang="ko-KR" altLang="en-US"/>
           </a:p>
@@ -2684,7 +2690,7 @@
           <a:p>
             <a:fld id="{4E1E5F72-C8AF-4645-8B82-37243AE004C2}" type="datetimeFigureOut">
               <a:rPr lang="ko-KR" altLang="en-US" smtClean="0"/>
-              <a:t>2020-06-18</a:t>
+              <a:t>2020-06-26</a:t>
             </a:fld>
             <a:endParaRPr lang="ko-KR" altLang="en-US"/>
           </a:p>
@@ -2925,7 +2931,7 @@
           <a:p>
             <a:fld id="{4E1E5F72-C8AF-4645-8B82-37243AE004C2}" type="datetimeFigureOut">
               <a:rPr lang="ko-KR" altLang="en-US" smtClean="0"/>
-              <a:t>2020-06-18</a:t>
+              <a:t>2020-06-26</a:t>
             </a:fld>
             <a:endParaRPr lang="ko-KR" altLang="en-US"/>
           </a:p>
@@ -4620,6 +4626,432 @@
         </p:nvSpPr>
         <p:spPr>
           <a:xfrm>
+            <a:off x="1289534" y="509759"/>
+            <a:ext cx="646331" cy="369332"/>
+          </a:xfrm>
+          <a:prstGeom prst="rect">
+            <a:avLst/>
+          </a:prstGeom>
+          <a:noFill/>
+        </p:spPr>
+        <p:txBody>
+          <a:bodyPr wrap="none" rtlCol="0">
+            <a:spAutoFit/>
+          </a:bodyPr>
+          <a:lstStyle/>
+          <a:p>
+            <a:r>
+              <a:rPr lang="ko-KR" altLang="en-US" dirty="0"/>
+              <a:t>버튼</a:t>
+            </a:r>
+            <a:endParaRPr lang="en-US" altLang="ko-KR" dirty="0"/>
+          </a:p>
+        </p:txBody>
+      </p:sp>
+      <p:pic>
+        <p:nvPicPr>
+          <p:cNvPr id="6148" name="Picture 4" descr="White Brush Transparent &amp; PNG Clipart Free Download - YAWD">
+            <a:extLst>
+              <a:ext uri="{FF2B5EF4-FFF2-40B4-BE49-F238E27FC236}">
+                <a16:creationId xmlns:a16="http://schemas.microsoft.com/office/drawing/2014/main" id="{193DD646-9978-4F02-ACDE-1D1C3328D5B6}"/>
+              </a:ext>
+            </a:extLst>
+          </p:cNvPr>
+          <p:cNvPicPr>
+            <a:picLocks noChangeAspect="1" noChangeArrowheads="1"/>
+          </p:cNvPicPr>
+          <p:nvPr/>
+        </p:nvPicPr>
+        <p:blipFill>
+          <a:blip r:embed="rId2">
+            <a:extLst>
+              <a:ext uri="{28A0092B-C50C-407E-A947-70E740481C1C}">
+                <a14:useLocalDpi xmlns:a14="http://schemas.microsoft.com/office/drawing/2010/main" val="0"/>
+              </a:ext>
+            </a:extLst>
+          </a:blip>
+          <a:srcRect/>
+          <a:stretch>
+            <a:fillRect/>
+          </a:stretch>
+        </p:blipFill>
+        <p:spPr bwMode="auto">
+          <a:xfrm rot="202280">
+            <a:off x="1937364" y="2464658"/>
+            <a:ext cx="4787885" cy="2169914"/>
+          </a:xfrm>
+          <a:prstGeom prst="rect">
+            <a:avLst/>
+          </a:prstGeom>
+          <a:noFill/>
+          <a:extLst>
+            <a:ext uri="{909E8E84-426E-40DD-AFC4-6F175D3DCCD1}">
+              <a14:hiddenFill xmlns:a14="http://schemas.microsoft.com/office/drawing/2010/main">
+                <a:solidFill>
+                  <a:srgbClr val="FFFFFF"/>
+                </a:solidFill>
+              </a14:hiddenFill>
+            </a:ext>
+          </a:extLst>
+        </p:spPr>
+      </p:pic>
+      <p:sp>
+        <p:nvSpPr>
+          <p:cNvPr id="5" name="TextBox 4">
+            <a:extLst>
+              <a:ext uri="{FF2B5EF4-FFF2-40B4-BE49-F238E27FC236}">
+                <a16:creationId xmlns:a16="http://schemas.microsoft.com/office/drawing/2014/main" id="{A6521D66-0658-4F9B-B776-1FC36A1A7268}"/>
+              </a:ext>
+            </a:extLst>
+          </p:cNvPr>
+          <p:cNvSpPr txBox="1"/>
+          <p:nvPr/>
+        </p:nvSpPr>
+        <p:spPr>
+          <a:xfrm>
+            <a:off x="3352800" y="2930931"/>
+            <a:ext cx="2743201" cy="1015663"/>
+          </a:xfrm>
+          <a:prstGeom prst="rect">
+            <a:avLst/>
+          </a:prstGeom>
+          <a:noFill/>
+        </p:spPr>
+        <p:txBody>
+          <a:bodyPr wrap="square" rtlCol="0" anchor="ctr">
+            <a:spAutoFit/>
+          </a:bodyPr>
+          <a:lstStyle/>
+          <a:p>
+            <a:pPr algn="ctr"/>
+            <a:r>
+              <a:rPr lang="en-US" altLang="ko-KR" sz="6000">
+                <a:solidFill>
+                  <a:schemeClr val="accent5">
+                    <a:lumMod val="60000"/>
+                    <a:lumOff val="40000"/>
+                  </a:schemeClr>
+                </a:solidFill>
+                <a:latin typeface="Chiller" panose="04020404031007020602" pitchFamily="82" charset="0"/>
+              </a:rPr>
+              <a:t>Inventory</a:t>
+            </a:r>
+            <a:endParaRPr lang="ko-KR" altLang="en-US" sz="6000" dirty="0">
+              <a:solidFill>
+                <a:schemeClr val="accent5">
+                  <a:lumMod val="60000"/>
+                  <a:lumOff val="40000"/>
+                </a:schemeClr>
+              </a:solidFill>
+              <a:latin typeface="Chiller" panose="04020404031007020602" pitchFamily="82" charset="0"/>
+            </a:endParaRPr>
+          </a:p>
+        </p:txBody>
+      </p:sp>
+      <p:sp>
+        <p:nvSpPr>
+          <p:cNvPr id="9" name="TextBox 8">
+            <a:extLst>
+              <a:ext uri="{FF2B5EF4-FFF2-40B4-BE49-F238E27FC236}">
+                <a16:creationId xmlns:a16="http://schemas.microsoft.com/office/drawing/2014/main" id="{EF3EF0AC-50AA-4B57-8D69-7FAEA8E96084}"/>
+              </a:ext>
+            </a:extLst>
+          </p:cNvPr>
+          <p:cNvSpPr txBox="1"/>
+          <p:nvPr/>
+        </p:nvSpPr>
+        <p:spPr>
+          <a:xfrm>
+            <a:off x="2298584" y="2809292"/>
+            <a:ext cx="1054216" cy="1323439"/>
+          </a:xfrm>
+          <a:prstGeom prst="rect">
+            <a:avLst/>
+          </a:prstGeom>
+          <a:noFill/>
+        </p:spPr>
+        <p:txBody>
+          <a:bodyPr wrap="square" rtlCol="0" anchor="ctr">
+            <a:spAutoFit/>
+          </a:bodyPr>
+          <a:lstStyle/>
+          <a:p>
+            <a:pPr algn="ctr"/>
+            <a:r>
+              <a:rPr lang="en-US" altLang="ko-KR" sz="8000">
+                <a:solidFill>
+                  <a:schemeClr val="accent4"/>
+                </a:solidFill>
+                <a:latin typeface="Chiller" panose="04020404031007020602" pitchFamily="82" charset="0"/>
+              </a:rPr>
+              <a:t>I</a:t>
+            </a:r>
+            <a:endParaRPr lang="ko-KR" altLang="en-US" sz="8000" dirty="0">
+              <a:solidFill>
+                <a:schemeClr val="accent4"/>
+              </a:solidFill>
+              <a:latin typeface="Chiller" panose="04020404031007020602" pitchFamily="82" charset="0"/>
+            </a:endParaRPr>
+          </a:p>
+        </p:txBody>
+      </p:sp>
+    </p:spTree>
+    <p:extLst>
+      <p:ext uri="{BB962C8B-B14F-4D97-AF65-F5344CB8AC3E}">
+        <p14:creationId xmlns:p14="http://schemas.microsoft.com/office/powerpoint/2010/main" val="2132639965"/>
+      </p:ext>
+    </p:extLst>
+  </p:cSld>
+  <p:clrMapOvr>
+    <a:masterClrMapping/>
+  </p:clrMapOvr>
+</p:sld>
+</file>
+
+<file path=ppt/slides/slide15.xml><?xml version="1.0" encoding="utf-8"?>
+<p:sld xmlns:a="http://schemas.openxmlformats.org/drawingml/2006/main" xmlns:r="http://schemas.openxmlformats.org/officeDocument/2006/relationships" xmlns:p="http://schemas.openxmlformats.org/presentationml/2006/main">
+  <p:cSld>
+    <p:spTree>
+      <p:nvGrpSpPr>
+        <p:cNvPr id="1" name=""/>
+        <p:cNvGrpSpPr/>
+        <p:nvPr/>
+      </p:nvGrpSpPr>
+      <p:grpSpPr>
+        <a:xfrm>
+          <a:off x="0" y="0"/>
+          <a:ext cx="0" cy="0"/>
+          <a:chOff x="0" y="0"/>
+          <a:chExt cx="0" cy="0"/>
+        </a:xfrm>
+      </p:grpSpPr>
+      <p:sp>
+        <p:nvSpPr>
+          <p:cNvPr id="6" name="TextBox 5">
+            <a:extLst>
+              <a:ext uri="{FF2B5EF4-FFF2-40B4-BE49-F238E27FC236}">
+                <a16:creationId xmlns:a16="http://schemas.microsoft.com/office/drawing/2014/main" id="{169C83F4-8D6D-4735-BC5C-07F6319150C6}"/>
+              </a:ext>
+            </a:extLst>
+          </p:cNvPr>
+          <p:cNvSpPr txBox="1"/>
+          <p:nvPr/>
+        </p:nvSpPr>
+        <p:spPr>
+          <a:xfrm>
+            <a:off x="1289534" y="509759"/>
+            <a:ext cx="646331" cy="369332"/>
+          </a:xfrm>
+          <a:prstGeom prst="rect">
+            <a:avLst/>
+          </a:prstGeom>
+          <a:noFill/>
+        </p:spPr>
+        <p:txBody>
+          <a:bodyPr wrap="none" rtlCol="0">
+            <a:spAutoFit/>
+          </a:bodyPr>
+          <a:lstStyle/>
+          <a:p>
+            <a:r>
+              <a:rPr lang="ko-KR" altLang="en-US" dirty="0"/>
+              <a:t>버튼</a:t>
+            </a:r>
+            <a:endParaRPr lang="en-US" altLang="ko-KR" dirty="0"/>
+          </a:p>
+        </p:txBody>
+      </p:sp>
+      <p:pic>
+        <p:nvPicPr>
+          <p:cNvPr id="6148" name="Picture 4" descr="White Brush Transparent &amp; PNG Clipart Free Download - YAWD">
+            <a:extLst>
+              <a:ext uri="{FF2B5EF4-FFF2-40B4-BE49-F238E27FC236}">
+                <a16:creationId xmlns:a16="http://schemas.microsoft.com/office/drawing/2014/main" id="{193DD646-9978-4F02-ACDE-1D1C3328D5B6}"/>
+              </a:ext>
+            </a:extLst>
+          </p:cNvPr>
+          <p:cNvPicPr>
+            <a:picLocks noChangeAspect="1" noChangeArrowheads="1"/>
+          </p:cNvPicPr>
+          <p:nvPr/>
+        </p:nvPicPr>
+        <p:blipFill>
+          <a:blip r:embed="rId2">
+            <a:extLst>
+              <a:ext uri="{28A0092B-C50C-407E-A947-70E740481C1C}">
+                <a14:useLocalDpi xmlns:a14="http://schemas.microsoft.com/office/drawing/2010/main" val="0"/>
+              </a:ext>
+            </a:extLst>
+          </a:blip>
+          <a:srcRect/>
+          <a:stretch>
+            <a:fillRect/>
+          </a:stretch>
+        </p:blipFill>
+        <p:spPr bwMode="auto">
+          <a:xfrm rot="202280">
+            <a:off x="1937364" y="2464658"/>
+            <a:ext cx="4787885" cy="2169914"/>
+          </a:xfrm>
+          <a:prstGeom prst="rect">
+            <a:avLst/>
+          </a:prstGeom>
+          <a:noFill/>
+          <a:extLst>
+            <a:ext uri="{909E8E84-426E-40DD-AFC4-6F175D3DCCD1}">
+              <a14:hiddenFill xmlns:a14="http://schemas.microsoft.com/office/drawing/2010/main">
+                <a:solidFill>
+                  <a:srgbClr val="FFFFFF"/>
+                </a:solidFill>
+              </a14:hiddenFill>
+            </a:ext>
+          </a:extLst>
+        </p:spPr>
+      </p:pic>
+      <p:sp>
+        <p:nvSpPr>
+          <p:cNvPr id="5" name="TextBox 4">
+            <a:extLst>
+              <a:ext uri="{FF2B5EF4-FFF2-40B4-BE49-F238E27FC236}">
+                <a16:creationId xmlns:a16="http://schemas.microsoft.com/office/drawing/2014/main" id="{A6521D66-0658-4F9B-B776-1FC36A1A7268}"/>
+              </a:ext>
+            </a:extLst>
+          </p:cNvPr>
+          <p:cNvSpPr txBox="1"/>
+          <p:nvPr/>
+        </p:nvSpPr>
+        <p:spPr>
+          <a:xfrm>
+            <a:off x="3352800" y="3023264"/>
+            <a:ext cx="2743201" cy="830997"/>
+          </a:xfrm>
+          <a:prstGeom prst="rect">
+            <a:avLst/>
+          </a:prstGeom>
+          <a:noFill/>
+        </p:spPr>
+        <p:txBody>
+          <a:bodyPr wrap="square" rtlCol="0" anchor="ctr">
+            <a:spAutoFit/>
+          </a:bodyPr>
+          <a:lstStyle/>
+          <a:p>
+            <a:pPr algn="ctr"/>
+            <a:r>
+              <a:rPr lang="en-US" altLang="ko-KR" sz="4800">
+                <a:solidFill>
+                  <a:schemeClr val="accent5">
+                    <a:lumMod val="60000"/>
+                    <a:lumOff val="40000"/>
+                  </a:schemeClr>
+                </a:solidFill>
+                <a:latin typeface="Chiller" panose="04020404031007020602" pitchFamily="82" charset="0"/>
+              </a:rPr>
+              <a:t>Ability</a:t>
+            </a:r>
+            <a:endParaRPr lang="ko-KR" altLang="en-US" sz="4800" dirty="0">
+              <a:solidFill>
+                <a:schemeClr val="accent5">
+                  <a:lumMod val="60000"/>
+                  <a:lumOff val="40000"/>
+                </a:schemeClr>
+              </a:solidFill>
+              <a:latin typeface="Chiller" panose="04020404031007020602" pitchFamily="82" charset="0"/>
+            </a:endParaRPr>
+          </a:p>
+        </p:txBody>
+      </p:sp>
+      <p:sp>
+        <p:nvSpPr>
+          <p:cNvPr id="9" name="TextBox 8">
+            <a:extLst>
+              <a:ext uri="{FF2B5EF4-FFF2-40B4-BE49-F238E27FC236}">
+                <a16:creationId xmlns:a16="http://schemas.microsoft.com/office/drawing/2014/main" id="{EF3EF0AC-50AA-4B57-8D69-7FAEA8E96084}"/>
+              </a:ext>
+            </a:extLst>
+          </p:cNvPr>
+          <p:cNvSpPr txBox="1"/>
+          <p:nvPr/>
+        </p:nvSpPr>
+        <p:spPr>
+          <a:xfrm>
+            <a:off x="2298584" y="2809292"/>
+            <a:ext cx="1054216" cy="1323439"/>
+          </a:xfrm>
+          <a:prstGeom prst="rect">
+            <a:avLst/>
+          </a:prstGeom>
+          <a:noFill/>
+        </p:spPr>
+        <p:txBody>
+          <a:bodyPr wrap="square" rtlCol="0" anchor="ctr">
+            <a:spAutoFit/>
+          </a:bodyPr>
+          <a:lstStyle/>
+          <a:p>
+            <a:pPr algn="ctr"/>
+            <a:r>
+              <a:rPr lang="en-US" altLang="ko-KR" sz="8000">
+                <a:solidFill>
+                  <a:schemeClr val="accent4"/>
+                </a:solidFill>
+                <a:latin typeface="Chiller" panose="04020404031007020602" pitchFamily="82" charset="0"/>
+              </a:rPr>
+              <a:t>C</a:t>
+            </a:r>
+            <a:endParaRPr lang="ko-KR" altLang="en-US" sz="8000" dirty="0">
+              <a:solidFill>
+                <a:schemeClr val="accent4"/>
+              </a:solidFill>
+              <a:latin typeface="Chiller" panose="04020404031007020602" pitchFamily="82" charset="0"/>
+            </a:endParaRPr>
+          </a:p>
+        </p:txBody>
+      </p:sp>
+    </p:spTree>
+    <p:extLst>
+      <p:ext uri="{BB962C8B-B14F-4D97-AF65-F5344CB8AC3E}">
+        <p14:creationId xmlns:p14="http://schemas.microsoft.com/office/powerpoint/2010/main" val="289487246"/>
+      </p:ext>
+    </p:extLst>
+  </p:cSld>
+  <p:clrMapOvr>
+    <a:masterClrMapping/>
+  </p:clrMapOvr>
+</p:sld>
+</file>
+
+<file path=ppt/slides/slide16.xml><?xml version="1.0" encoding="utf-8"?>
+<p:sld xmlns:a="http://schemas.openxmlformats.org/drawingml/2006/main" xmlns:r="http://schemas.openxmlformats.org/officeDocument/2006/relationships" xmlns:p="http://schemas.openxmlformats.org/presentationml/2006/main">
+  <p:cSld>
+    <p:spTree>
+      <p:nvGrpSpPr>
+        <p:cNvPr id="1" name=""/>
+        <p:cNvGrpSpPr/>
+        <p:nvPr/>
+      </p:nvGrpSpPr>
+      <p:grpSpPr>
+        <a:xfrm>
+          <a:off x="0" y="0"/>
+          <a:ext cx="0" cy="0"/>
+          <a:chOff x="0" y="0"/>
+          <a:chExt cx="0" cy="0"/>
+        </a:xfrm>
+      </p:grpSpPr>
+      <p:sp>
+        <p:nvSpPr>
+          <p:cNvPr id="6" name="TextBox 5">
+            <a:extLst>
+              <a:ext uri="{FF2B5EF4-FFF2-40B4-BE49-F238E27FC236}">
+                <a16:creationId xmlns:a16="http://schemas.microsoft.com/office/drawing/2014/main" id="{169C83F4-8D6D-4735-BC5C-07F6319150C6}"/>
+              </a:ext>
+            </a:extLst>
+          </p:cNvPr>
+          <p:cNvSpPr txBox="1"/>
+          <p:nvPr/>
+        </p:nvSpPr>
+        <p:spPr>
+          <a:xfrm>
             <a:off x="2457974" y="1526796"/>
             <a:ext cx="646331" cy="369332"/>
           </a:xfrm>
@@ -4864,7 +5296,7 @@
 </p:sld>
 </file>
 
-<file path=ppt/slides/slide15.xml><?xml version="1.0" encoding="utf-8"?>
+<file path=ppt/slides/slide17.xml><?xml version="1.0" encoding="utf-8"?>
 <p:sld xmlns:a="http://schemas.openxmlformats.org/drawingml/2006/main" xmlns:r="http://schemas.openxmlformats.org/officeDocument/2006/relationships" xmlns:p="http://schemas.openxmlformats.org/presentationml/2006/main">
   <p:cSld>
     <p:spTree>
@@ -5045,7 +5477,7 @@
 </p:sld>
 </file>
 
-<file path=ppt/slides/slide16.xml><?xml version="1.0" encoding="utf-8"?>
+<file path=ppt/slides/slide18.xml><?xml version="1.0" encoding="utf-8"?>
 <p:sld xmlns:a="http://schemas.openxmlformats.org/drawingml/2006/main" xmlns:r="http://schemas.openxmlformats.org/officeDocument/2006/relationships" xmlns:p="http://schemas.openxmlformats.org/presentationml/2006/main">
   <p:cSld>
     <p:spTree>
@@ -5205,7 +5637,7 @@
 </p:sld>
 </file>
 
-<file path=ppt/slides/slide17.xml><?xml version="1.0" encoding="utf-8"?>
+<file path=ppt/slides/slide19.xml><?xml version="1.0" encoding="utf-8"?>
 <p:sld xmlns:a="http://schemas.openxmlformats.org/drawingml/2006/main" xmlns:r="http://schemas.openxmlformats.org/officeDocument/2006/relationships" xmlns:p="http://schemas.openxmlformats.org/presentationml/2006/main">
   <p:cSld>
     <p:spTree>
@@ -6495,6 +6927,2224 @@
 </p:sld>
 </file>
 
+<file path=ppt/slides/slide20.xml><?xml version="1.0" encoding="utf-8"?>
+<p:sld xmlns:a="http://schemas.openxmlformats.org/drawingml/2006/main" xmlns:r="http://schemas.openxmlformats.org/officeDocument/2006/relationships" xmlns:p="http://schemas.openxmlformats.org/presentationml/2006/main">
+  <p:cSld>
+    <p:spTree>
+      <p:nvGrpSpPr>
+        <p:cNvPr id="1" name=""/>
+        <p:cNvGrpSpPr/>
+        <p:nvPr/>
+      </p:nvGrpSpPr>
+      <p:grpSpPr>
+        <a:xfrm>
+          <a:off x="0" y="0"/>
+          <a:ext cx="0" cy="0"/>
+          <a:chOff x="0" y="0"/>
+          <a:chExt cx="0" cy="0"/>
+        </a:xfrm>
+      </p:grpSpPr>
+      <p:pic>
+        <p:nvPicPr>
+          <p:cNvPr id="6146" name="Picture 2" descr="Brush PNG Transparent Brush - PNG #1335 - Free PNG Images | Starpng">
+            <a:extLst>
+              <a:ext uri="{FF2B5EF4-FFF2-40B4-BE49-F238E27FC236}">
+                <a16:creationId xmlns:a16="http://schemas.microsoft.com/office/drawing/2014/main" id="{C3DF4452-7A51-4EA3-A087-40E13D522AE2}"/>
+              </a:ext>
+            </a:extLst>
+          </p:cNvPr>
+          <p:cNvPicPr>
+            <a:picLocks noChangeAspect="1" noChangeArrowheads="1"/>
+          </p:cNvPicPr>
+          <p:nvPr/>
+        </p:nvPicPr>
+        <p:blipFill>
+          <a:blip r:embed="rId2">
+            <a:extLst>
+              <a:ext uri="{28A0092B-C50C-407E-A947-70E740481C1C}">
+                <a14:useLocalDpi xmlns:a14="http://schemas.microsoft.com/office/drawing/2010/main" val="0"/>
+              </a:ext>
+            </a:extLst>
+          </a:blip>
+          <a:srcRect/>
+          <a:stretch>
+            <a:fillRect/>
+          </a:stretch>
+        </p:blipFill>
+        <p:spPr bwMode="auto">
+          <a:xfrm>
+            <a:off x="4922921" y="2741793"/>
+            <a:ext cx="2346159" cy="1430096"/>
+          </a:xfrm>
+          <a:prstGeom prst="rect">
+            <a:avLst/>
+          </a:prstGeom>
+          <a:noFill/>
+          <a:extLst>
+            <a:ext uri="{909E8E84-426E-40DD-AFC4-6F175D3DCCD1}">
+              <a14:hiddenFill xmlns:a14="http://schemas.microsoft.com/office/drawing/2010/main">
+                <a:solidFill>
+                  <a:srgbClr val="FFFFFF"/>
+                </a:solidFill>
+              </a14:hiddenFill>
+            </a:ext>
+          </a:extLst>
+        </p:spPr>
+      </p:pic>
+      <p:sp>
+        <p:nvSpPr>
+          <p:cNvPr id="5" name="TextBox 4">
+            <a:extLst>
+              <a:ext uri="{FF2B5EF4-FFF2-40B4-BE49-F238E27FC236}">
+                <a16:creationId xmlns:a16="http://schemas.microsoft.com/office/drawing/2014/main" id="{A6521D66-0658-4F9B-B776-1FC36A1A7268}"/>
+              </a:ext>
+            </a:extLst>
+          </p:cNvPr>
+          <p:cNvSpPr txBox="1"/>
+          <p:nvPr/>
+        </p:nvSpPr>
+        <p:spPr>
+          <a:xfrm>
+            <a:off x="5692955" y="2602229"/>
+            <a:ext cx="638315" cy="1569660"/>
+          </a:xfrm>
+          <a:prstGeom prst="rect">
+            <a:avLst/>
+          </a:prstGeom>
+          <a:noFill/>
+        </p:spPr>
+        <p:txBody>
+          <a:bodyPr wrap="none" rtlCol="0" anchor="ctr">
+            <a:spAutoFit/>
+          </a:bodyPr>
+          <a:lstStyle/>
+          <a:p>
+            <a:pPr algn="ctr"/>
+            <a:r>
+              <a:rPr lang="en-US" altLang="ko-KR" sz="9600" dirty="0">
+                <a:solidFill>
+                  <a:schemeClr val="accent5"/>
+                </a:solidFill>
+                <a:latin typeface="Chiller" panose="04020404031007020602" pitchFamily="82" charset="0"/>
+              </a:rPr>
+              <a:t>-</a:t>
+            </a:r>
+            <a:endParaRPr lang="ko-KR" altLang="en-US" sz="9600" dirty="0">
+              <a:solidFill>
+                <a:schemeClr val="accent5"/>
+              </a:solidFill>
+              <a:latin typeface="Chiller" panose="04020404031007020602" pitchFamily="82" charset="0"/>
+            </a:endParaRPr>
+          </a:p>
+        </p:txBody>
+      </p:sp>
+      <p:sp>
+        <p:nvSpPr>
+          <p:cNvPr id="6" name="TextBox 5">
+            <a:extLst>
+              <a:ext uri="{FF2B5EF4-FFF2-40B4-BE49-F238E27FC236}">
+                <a16:creationId xmlns:a16="http://schemas.microsoft.com/office/drawing/2014/main" id="{169C83F4-8D6D-4735-BC5C-07F6319150C6}"/>
+              </a:ext>
+            </a:extLst>
+          </p:cNvPr>
+          <p:cNvSpPr txBox="1"/>
+          <p:nvPr/>
+        </p:nvSpPr>
+        <p:spPr>
+          <a:xfrm>
+            <a:off x="2457974" y="1526796"/>
+            <a:ext cx="646331" cy="369332"/>
+          </a:xfrm>
+          <a:prstGeom prst="rect">
+            <a:avLst/>
+          </a:prstGeom>
+          <a:noFill/>
+        </p:spPr>
+        <p:txBody>
+          <a:bodyPr wrap="none" rtlCol="0">
+            <a:spAutoFit/>
+          </a:bodyPr>
+          <a:lstStyle/>
+          <a:p>
+            <a:r>
+              <a:rPr lang="ko-KR" altLang="en-US" dirty="0"/>
+              <a:t>버튼</a:t>
+            </a:r>
+            <a:endParaRPr lang="en-US" altLang="ko-KR" dirty="0"/>
+          </a:p>
+        </p:txBody>
+      </p:sp>
+    </p:spTree>
+    <p:extLst>
+      <p:ext uri="{BB962C8B-B14F-4D97-AF65-F5344CB8AC3E}">
+        <p14:creationId xmlns:p14="http://schemas.microsoft.com/office/powerpoint/2010/main" val="3857723494"/>
+      </p:ext>
+    </p:extLst>
+  </p:cSld>
+  <p:clrMapOvr>
+    <a:masterClrMapping/>
+  </p:clrMapOvr>
+</p:sld>
+</file>
+
+<file path=ppt/slides/slide21.xml><?xml version="1.0" encoding="utf-8"?>
+<p:sld xmlns:a="http://schemas.openxmlformats.org/drawingml/2006/main" xmlns:r="http://schemas.openxmlformats.org/officeDocument/2006/relationships" xmlns:p="http://schemas.openxmlformats.org/presentationml/2006/main">
+  <p:cSld>
+    <p:spTree>
+      <p:nvGrpSpPr>
+        <p:cNvPr id="1" name=""/>
+        <p:cNvGrpSpPr/>
+        <p:nvPr/>
+      </p:nvGrpSpPr>
+      <p:grpSpPr>
+        <a:xfrm>
+          <a:off x="0" y="0"/>
+          <a:ext cx="0" cy="0"/>
+          <a:chOff x="0" y="0"/>
+          <a:chExt cx="0" cy="0"/>
+        </a:xfrm>
+      </p:grpSpPr>
+      <p:pic>
+        <p:nvPicPr>
+          <p:cNvPr id="4" name="그림 3" descr="앉아있는, 테이블, 실내, 컴퓨터이(가) 표시된 사진&#10;&#10;자동 생성된 설명">
+            <a:extLst>
+              <a:ext uri="{FF2B5EF4-FFF2-40B4-BE49-F238E27FC236}">
+                <a16:creationId xmlns:a16="http://schemas.microsoft.com/office/drawing/2014/main" id="{A667E479-00F3-49D2-860C-53FC3B621F46}"/>
+              </a:ext>
+            </a:extLst>
+          </p:cNvPr>
+          <p:cNvPicPr>
+            <a:picLocks noChangeAspect="1"/>
+          </p:cNvPicPr>
+          <p:nvPr/>
+        </p:nvPicPr>
+        <p:blipFill>
+          <a:blip r:embed="rId2">
+            <a:grayscl/>
+            <a:extLst>
+              <a:ext uri="{28A0092B-C50C-407E-A947-70E740481C1C}">
+                <a14:useLocalDpi xmlns:a14="http://schemas.microsoft.com/office/drawing/2010/main" val="0"/>
+              </a:ext>
+            </a:extLst>
+          </a:blip>
+          <a:stretch>
+            <a:fillRect/>
+          </a:stretch>
+        </p:blipFill>
+        <p:spPr>
+          <a:xfrm>
+            <a:off x="3256837" y="-112362"/>
+            <a:ext cx="5262012" cy="7113026"/>
+          </a:xfrm>
+          <a:prstGeom prst="rect">
+            <a:avLst/>
+          </a:prstGeom>
+        </p:spPr>
+      </p:pic>
+      <p:pic>
+        <p:nvPicPr>
+          <p:cNvPr id="6" name="Picture 4" descr="Brush PNG Images, Brush Stroke, Brush Effect Clipart Download ...">
+            <a:extLst>
+              <a:ext uri="{FF2B5EF4-FFF2-40B4-BE49-F238E27FC236}">
+                <a16:creationId xmlns:a16="http://schemas.microsoft.com/office/drawing/2014/main" id="{994A63E9-161B-4677-BD05-26C238C81F92}"/>
+              </a:ext>
+            </a:extLst>
+          </p:cNvPr>
+          <p:cNvPicPr>
+            <a:picLocks noChangeAspect="1" noChangeArrowheads="1"/>
+          </p:cNvPicPr>
+          <p:nvPr/>
+        </p:nvPicPr>
+        <p:blipFill>
+          <a:blip r:embed="rId3">
+            <a:extLst>
+              <a:ext uri="{28A0092B-C50C-407E-A947-70E740481C1C}">
+                <a14:useLocalDpi xmlns:a14="http://schemas.microsoft.com/office/drawing/2010/main" val="0"/>
+              </a:ext>
+            </a:extLst>
+          </a:blip>
+          <a:srcRect/>
+          <a:stretch>
+            <a:fillRect/>
+          </a:stretch>
+        </p:blipFill>
+        <p:spPr bwMode="auto">
+          <a:xfrm>
+            <a:off x="4453824" y="1352788"/>
+            <a:ext cx="3119709" cy="1103347"/>
+          </a:xfrm>
+          <a:prstGeom prst="rect">
+            <a:avLst/>
+          </a:prstGeom>
+          <a:noFill/>
+          <a:extLst>
+            <a:ext uri="{909E8E84-426E-40DD-AFC4-6F175D3DCCD1}">
+              <a14:hiddenFill xmlns:a14="http://schemas.microsoft.com/office/drawing/2010/main">
+                <a:solidFill>
+                  <a:srgbClr val="FFFFFF"/>
+                </a:solidFill>
+              </a14:hiddenFill>
+            </a:ext>
+          </a:extLst>
+        </p:spPr>
+      </p:pic>
+      <p:sp>
+        <p:nvSpPr>
+          <p:cNvPr id="5" name="TextBox 4">
+            <a:extLst>
+              <a:ext uri="{FF2B5EF4-FFF2-40B4-BE49-F238E27FC236}">
+                <a16:creationId xmlns:a16="http://schemas.microsoft.com/office/drawing/2014/main" id="{4D144027-6787-41E1-A353-C332A4CD01C9}"/>
+              </a:ext>
+            </a:extLst>
+          </p:cNvPr>
+          <p:cNvSpPr txBox="1"/>
+          <p:nvPr/>
+        </p:nvSpPr>
+        <p:spPr>
+          <a:xfrm>
+            <a:off x="4012903" y="1551962"/>
+            <a:ext cx="3914693" cy="553998"/>
+          </a:xfrm>
+          <a:prstGeom prst="rect">
+            <a:avLst/>
+          </a:prstGeom>
+          <a:noFill/>
+        </p:spPr>
+        <p:txBody>
+          <a:bodyPr wrap="square" rtlCol="0">
+            <a:spAutoFit/>
+          </a:bodyPr>
+          <a:lstStyle/>
+          <a:p>
+            <a:pPr algn="ctr"/>
+            <a:r>
+              <a:rPr lang="en-US" altLang="ko-KR" sz="3000" b="1">
+                <a:solidFill>
+                  <a:schemeClr val="bg1"/>
+                </a:solidFill>
+                <a:latin typeface="Chiller" panose="04020404031007020602" pitchFamily="82" charset="0"/>
+              </a:rPr>
+              <a:t>HOW TO PLAY</a:t>
+            </a:r>
+            <a:endParaRPr lang="ko-KR" altLang="en-US" sz="3000" b="1">
+              <a:solidFill>
+                <a:schemeClr val="bg1"/>
+              </a:solidFill>
+              <a:latin typeface="Chiller" panose="04020404031007020602" pitchFamily="82" charset="0"/>
+            </a:endParaRPr>
+          </a:p>
+        </p:txBody>
+      </p:sp>
+      <p:sp>
+        <p:nvSpPr>
+          <p:cNvPr id="7" name="직사각형 6">
+            <a:extLst>
+              <a:ext uri="{FF2B5EF4-FFF2-40B4-BE49-F238E27FC236}">
+                <a16:creationId xmlns:a16="http://schemas.microsoft.com/office/drawing/2014/main" id="{D221599A-01FF-47AB-99DE-975BAE6EC02A}"/>
+              </a:ext>
+            </a:extLst>
+          </p:cNvPr>
+          <p:cNvSpPr/>
+          <p:nvPr/>
+        </p:nvSpPr>
+        <p:spPr>
+          <a:xfrm>
+            <a:off x="4495769" y="2450860"/>
+            <a:ext cx="335560" cy="360726"/>
+          </a:xfrm>
+          <a:prstGeom prst="rect">
+            <a:avLst/>
+          </a:prstGeom>
+          <a:noFill/>
+          <a:ln>
+            <a:solidFill>
+              <a:schemeClr val="tx1"/>
+            </a:solidFill>
+          </a:ln>
+        </p:spPr>
+        <p:style>
+          <a:lnRef idx="2">
+            <a:schemeClr val="accent1">
+              <a:shade val="50000"/>
+            </a:schemeClr>
+          </a:lnRef>
+          <a:fillRef idx="1">
+            <a:schemeClr val="accent1"/>
+          </a:fillRef>
+          <a:effectRef idx="0">
+            <a:schemeClr val="accent1"/>
+          </a:effectRef>
+          <a:fontRef idx="minor">
+            <a:schemeClr val="lt1"/>
+          </a:fontRef>
+        </p:style>
+        <p:txBody>
+          <a:bodyPr rtlCol="0" anchor="ctr"/>
+          <a:lstStyle/>
+          <a:p>
+            <a:pPr algn="ctr"/>
+            <a:r>
+              <a:rPr lang="en-US" altLang="ko-KR" sz="2500">
+                <a:solidFill>
+                  <a:schemeClr val="tx1"/>
+                </a:solidFill>
+                <a:latin typeface="Chiller" panose="04020404031007020602" pitchFamily="82" charset="0"/>
+              </a:rPr>
+              <a:t>W</a:t>
+            </a:r>
+            <a:endParaRPr lang="ko-KR" altLang="en-US" sz="2500">
+              <a:solidFill>
+                <a:schemeClr val="tx1"/>
+              </a:solidFill>
+              <a:latin typeface="Chiller" panose="04020404031007020602" pitchFamily="82" charset="0"/>
+            </a:endParaRPr>
+          </a:p>
+        </p:txBody>
+      </p:sp>
+      <p:sp>
+        <p:nvSpPr>
+          <p:cNvPr id="8" name="직사각형 7">
+            <a:extLst>
+              <a:ext uri="{FF2B5EF4-FFF2-40B4-BE49-F238E27FC236}">
+                <a16:creationId xmlns:a16="http://schemas.microsoft.com/office/drawing/2014/main" id="{E2D512A0-90A5-429E-AE6B-1431E2EDE38F}"/>
+              </a:ext>
+            </a:extLst>
+          </p:cNvPr>
+          <p:cNvSpPr/>
+          <p:nvPr/>
+        </p:nvSpPr>
+        <p:spPr>
+          <a:xfrm>
+            <a:off x="4495769" y="2871707"/>
+            <a:ext cx="335560" cy="360726"/>
+          </a:xfrm>
+          <a:prstGeom prst="rect">
+            <a:avLst/>
+          </a:prstGeom>
+          <a:noFill/>
+          <a:ln>
+            <a:solidFill>
+              <a:schemeClr val="tx1"/>
+            </a:solidFill>
+          </a:ln>
+        </p:spPr>
+        <p:style>
+          <a:lnRef idx="2">
+            <a:schemeClr val="accent1">
+              <a:shade val="50000"/>
+            </a:schemeClr>
+          </a:lnRef>
+          <a:fillRef idx="1">
+            <a:schemeClr val="accent1"/>
+          </a:fillRef>
+          <a:effectRef idx="0">
+            <a:schemeClr val="accent1"/>
+          </a:effectRef>
+          <a:fontRef idx="minor">
+            <a:schemeClr val="lt1"/>
+          </a:fontRef>
+        </p:style>
+        <p:txBody>
+          <a:bodyPr rtlCol="0" anchor="ctr"/>
+          <a:lstStyle/>
+          <a:p>
+            <a:pPr algn="ctr"/>
+            <a:r>
+              <a:rPr lang="en-US" altLang="ko-KR" sz="2500">
+                <a:solidFill>
+                  <a:schemeClr val="tx1"/>
+                </a:solidFill>
+                <a:latin typeface="Chiller" panose="04020404031007020602" pitchFamily="82" charset="0"/>
+              </a:rPr>
+              <a:t>S</a:t>
+            </a:r>
+            <a:endParaRPr lang="ko-KR" altLang="en-US" sz="2500">
+              <a:solidFill>
+                <a:schemeClr val="tx1"/>
+              </a:solidFill>
+              <a:latin typeface="Chiller" panose="04020404031007020602" pitchFamily="82" charset="0"/>
+            </a:endParaRPr>
+          </a:p>
+        </p:txBody>
+      </p:sp>
+      <p:sp>
+        <p:nvSpPr>
+          <p:cNvPr id="9" name="직사각형 8">
+            <a:extLst>
+              <a:ext uri="{FF2B5EF4-FFF2-40B4-BE49-F238E27FC236}">
+                <a16:creationId xmlns:a16="http://schemas.microsoft.com/office/drawing/2014/main" id="{B2EF8C49-AC4B-4579-8A71-1AD7CEB0E279}"/>
+              </a:ext>
+            </a:extLst>
+          </p:cNvPr>
+          <p:cNvSpPr/>
+          <p:nvPr/>
+        </p:nvSpPr>
+        <p:spPr>
+          <a:xfrm>
+            <a:off x="4081912" y="2871707"/>
+            <a:ext cx="335560" cy="360726"/>
+          </a:xfrm>
+          <a:prstGeom prst="rect">
+            <a:avLst/>
+          </a:prstGeom>
+          <a:noFill/>
+          <a:ln>
+            <a:solidFill>
+              <a:schemeClr val="tx1"/>
+            </a:solidFill>
+          </a:ln>
+        </p:spPr>
+        <p:style>
+          <a:lnRef idx="2">
+            <a:schemeClr val="accent1">
+              <a:shade val="50000"/>
+            </a:schemeClr>
+          </a:lnRef>
+          <a:fillRef idx="1">
+            <a:schemeClr val="accent1"/>
+          </a:fillRef>
+          <a:effectRef idx="0">
+            <a:schemeClr val="accent1"/>
+          </a:effectRef>
+          <a:fontRef idx="minor">
+            <a:schemeClr val="lt1"/>
+          </a:fontRef>
+        </p:style>
+        <p:txBody>
+          <a:bodyPr rtlCol="0" anchor="ctr"/>
+          <a:lstStyle/>
+          <a:p>
+            <a:pPr algn="ctr"/>
+            <a:r>
+              <a:rPr lang="en-US" altLang="ko-KR" sz="2500">
+                <a:solidFill>
+                  <a:schemeClr val="tx1"/>
+                </a:solidFill>
+                <a:latin typeface="Chiller" panose="04020404031007020602" pitchFamily="82" charset="0"/>
+              </a:rPr>
+              <a:t>A</a:t>
+            </a:r>
+            <a:endParaRPr lang="ko-KR" altLang="en-US" sz="2500">
+              <a:solidFill>
+                <a:schemeClr val="tx1"/>
+              </a:solidFill>
+              <a:latin typeface="Chiller" panose="04020404031007020602" pitchFamily="82" charset="0"/>
+            </a:endParaRPr>
+          </a:p>
+        </p:txBody>
+      </p:sp>
+      <p:sp>
+        <p:nvSpPr>
+          <p:cNvPr id="10" name="직사각형 9">
+            <a:extLst>
+              <a:ext uri="{FF2B5EF4-FFF2-40B4-BE49-F238E27FC236}">
+                <a16:creationId xmlns:a16="http://schemas.microsoft.com/office/drawing/2014/main" id="{72B49CD6-CDF5-4B76-BC01-579F10282476}"/>
+              </a:ext>
+            </a:extLst>
+          </p:cNvPr>
+          <p:cNvSpPr/>
+          <p:nvPr/>
+        </p:nvSpPr>
+        <p:spPr>
+          <a:xfrm>
+            <a:off x="4909626" y="2871707"/>
+            <a:ext cx="335560" cy="360726"/>
+          </a:xfrm>
+          <a:prstGeom prst="rect">
+            <a:avLst/>
+          </a:prstGeom>
+          <a:noFill/>
+          <a:ln>
+            <a:solidFill>
+              <a:schemeClr val="tx1"/>
+            </a:solidFill>
+          </a:ln>
+        </p:spPr>
+        <p:style>
+          <a:lnRef idx="2">
+            <a:schemeClr val="accent1">
+              <a:shade val="50000"/>
+            </a:schemeClr>
+          </a:lnRef>
+          <a:fillRef idx="1">
+            <a:schemeClr val="accent1"/>
+          </a:fillRef>
+          <a:effectRef idx="0">
+            <a:schemeClr val="accent1"/>
+          </a:effectRef>
+          <a:fontRef idx="minor">
+            <a:schemeClr val="lt1"/>
+          </a:fontRef>
+        </p:style>
+        <p:txBody>
+          <a:bodyPr rtlCol="0" anchor="ctr"/>
+          <a:lstStyle/>
+          <a:p>
+            <a:pPr algn="ctr"/>
+            <a:r>
+              <a:rPr lang="en-US" altLang="ko-KR" sz="2500">
+                <a:solidFill>
+                  <a:schemeClr val="tx1"/>
+                </a:solidFill>
+                <a:latin typeface="Chiller" panose="04020404031007020602" pitchFamily="82" charset="0"/>
+              </a:rPr>
+              <a:t>D</a:t>
+            </a:r>
+            <a:endParaRPr lang="ko-KR" altLang="en-US" sz="2500">
+              <a:solidFill>
+                <a:schemeClr val="tx1"/>
+              </a:solidFill>
+              <a:latin typeface="Chiller" panose="04020404031007020602" pitchFamily="82" charset="0"/>
+            </a:endParaRPr>
+          </a:p>
+        </p:txBody>
+      </p:sp>
+      <p:sp>
+        <p:nvSpPr>
+          <p:cNvPr id="11" name="TextBox 10">
+            <a:extLst>
+              <a:ext uri="{FF2B5EF4-FFF2-40B4-BE49-F238E27FC236}">
+                <a16:creationId xmlns:a16="http://schemas.microsoft.com/office/drawing/2014/main" id="{E92199B2-6769-4B7F-8F01-8ACC74669BB9}"/>
+              </a:ext>
+            </a:extLst>
+          </p:cNvPr>
+          <p:cNvSpPr txBox="1"/>
+          <p:nvPr/>
+        </p:nvSpPr>
+        <p:spPr>
+          <a:xfrm>
+            <a:off x="5410899" y="2562009"/>
+            <a:ext cx="2447521" cy="553998"/>
+          </a:xfrm>
+          <a:prstGeom prst="rect">
+            <a:avLst/>
+          </a:prstGeom>
+          <a:noFill/>
+        </p:spPr>
+        <p:txBody>
+          <a:bodyPr wrap="square" rtlCol="0">
+            <a:spAutoFit/>
+          </a:bodyPr>
+          <a:lstStyle/>
+          <a:p>
+            <a:r>
+              <a:rPr lang="en-US" altLang="ko-KR" sz="3000" b="1">
+                <a:latin typeface="Chiller" panose="04020404031007020602" pitchFamily="82" charset="0"/>
+              </a:rPr>
+              <a:t>: MOVE</a:t>
+            </a:r>
+            <a:endParaRPr lang="ko-KR" altLang="en-US" sz="3000" b="1">
+              <a:latin typeface="Chiller" panose="04020404031007020602" pitchFamily="82" charset="0"/>
+            </a:endParaRPr>
+          </a:p>
+        </p:txBody>
+      </p:sp>
+      <p:sp>
+        <p:nvSpPr>
+          <p:cNvPr id="14" name="부분 원형 13">
+            <a:extLst>
+              <a:ext uri="{FF2B5EF4-FFF2-40B4-BE49-F238E27FC236}">
+                <a16:creationId xmlns:a16="http://schemas.microsoft.com/office/drawing/2014/main" id="{184E32B1-77D5-40EF-B012-B212714139A1}"/>
+              </a:ext>
+            </a:extLst>
+          </p:cNvPr>
+          <p:cNvSpPr/>
+          <p:nvPr/>
+        </p:nvSpPr>
+        <p:spPr>
+          <a:xfrm>
+            <a:off x="4269996" y="3584680"/>
+            <a:ext cx="502610" cy="586113"/>
+          </a:xfrm>
+          <a:prstGeom prst="pie">
+            <a:avLst>
+              <a:gd name="adj1" fmla="val 10749994"/>
+              <a:gd name="adj2" fmla="val 16200000"/>
+            </a:avLst>
+          </a:prstGeom>
+          <a:solidFill>
+            <a:schemeClr val="accent2"/>
+          </a:solidFill>
+          <a:ln>
+            <a:noFill/>
+          </a:ln>
+        </p:spPr>
+        <p:style>
+          <a:lnRef idx="2">
+            <a:schemeClr val="accent1">
+              <a:shade val="50000"/>
+            </a:schemeClr>
+          </a:lnRef>
+          <a:fillRef idx="1">
+            <a:schemeClr val="accent1"/>
+          </a:fillRef>
+          <a:effectRef idx="0">
+            <a:schemeClr val="accent1"/>
+          </a:effectRef>
+          <a:fontRef idx="minor">
+            <a:schemeClr val="lt1"/>
+          </a:fontRef>
+        </p:style>
+        <p:txBody>
+          <a:bodyPr rtlCol="0" anchor="ctr"/>
+          <a:lstStyle/>
+          <a:p>
+            <a:pPr algn="ctr"/>
+            <a:endParaRPr lang="ko-KR" altLang="en-US">
+              <a:solidFill>
+                <a:schemeClr val="tx1"/>
+              </a:solidFill>
+            </a:endParaRPr>
+          </a:p>
+        </p:txBody>
+      </p:sp>
+      <p:pic>
+        <p:nvPicPr>
+          <p:cNvPr id="13" name="그림 12">
+            <a:extLst>
+              <a:ext uri="{FF2B5EF4-FFF2-40B4-BE49-F238E27FC236}">
+                <a16:creationId xmlns:a16="http://schemas.microsoft.com/office/drawing/2014/main" id="{B0CCD01B-CE82-4815-A304-BA11BAC54334}"/>
+              </a:ext>
+            </a:extLst>
+          </p:cNvPr>
+          <p:cNvPicPr>
+            <a:picLocks noChangeAspect="1"/>
+          </p:cNvPicPr>
+          <p:nvPr/>
+        </p:nvPicPr>
+        <p:blipFill>
+          <a:blip r:embed="rId4">
+            <a:extLst>
+              <a:ext uri="{28A0092B-C50C-407E-A947-70E740481C1C}">
+                <a14:useLocalDpi xmlns:a14="http://schemas.microsoft.com/office/drawing/2010/main" val="0"/>
+              </a:ext>
+            </a:extLst>
+          </a:blip>
+          <a:stretch>
+            <a:fillRect/>
+          </a:stretch>
+        </p:blipFill>
+        <p:spPr>
+          <a:xfrm>
+            <a:off x="4248962" y="3531282"/>
+            <a:ext cx="807499" cy="807499"/>
+          </a:xfrm>
+          <a:prstGeom prst="rect">
+            <a:avLst/>
+          </a:prstGeom>
+        </p:spPr>
+      </p:pic>
+      <p:sp>
+        <p:nvSpPr>
+          <p:cNvPr id="15" name="TextBox 14">
+            <a:extLst>
+              <a:ext uri="{FF2B5EF4-FFF2-40B4-BE49-F238E27FC236}">
+                <a16:creationId xmlns:a16="http://schemas.microsoft.com/office/drawing/2014/main" id="{6A1AADEE-B9B3-4AF1-B530-DF57F853AAE6}"/>
+              </a:ext>
+            </a:extLst>
+          </p:cNvPr>
+          <p:cNvSpPr txBox="1"/>
+          <p:nvPr/>
+        </p:nvSpPr>
+        <p:spPr>
+          <a:xfrm>
+            <a:off x="5410898" y="3632537"/>
+            <a:ext cx="2447521" cy="553998"/>
+          </a:xfrm>
+          <a:prstGeom prst="rect">
+            <a:avLst/>
+          </a:prstGeom>
+          <a:noFill/>
+        </p:spPr>
+        <p:txBody>
+          <a:bodyPr wrap="square" rtlCol="0">
+            <a:spAutoFit/>
+          </a:bodyPr>
+          <a:lstStyle/>
+          <a:p>
+            <a:r>
+              <a:rPr lang="en-US" altLang="ko-KR" sz="3000" b="1">
+                <a:latin typeface="Chiller" panose="04020404031007020602" pitchFamily="82" charset="0"/>
+              </a:rPr>
+              <a:t>: Shoot</a:t>
+            </a:r>
+            <a:endParaRPr lang="ko-KR" altLang="en-US" sz="3000" b="1">
+              <a:latin typeface="Chiller" panose="04020404031007020602" pitchFamily="82" charset="0"/>
+            </a:endParaRPr>
+          </a:p>
+        </p:txBody>
+      </p:sp>
+      <p:sp>
+        <p:nvSpPr>
+          <p:cNvPr id="16" name="직사각형 15">
+            <a:extLst>
+              <a:ext uri="{FF2B5EF4-FFF2-40B4-BE49-F238E27FC236}">
+                <a16:creationId xmlns:a16="http://schemas.microsoft.com/office/drawing/2014/main" id="{39288590-B07A-4536-AD3D-7ABC0082C373}"/>
+              </a:ext>
+            </a:extLst>
+          </p:cNvPr>
+          <p:cNvSpPr/>
+          <p:nvPr/>
+        </p:nvSpPr>
+        <p:spPr>
+          <a:xfrm>
+            <a:off x="4495769" y="4758632"/>
+            <a:ext cx="335560" cy="360726"/>
+          </a:xfrm>
+          <a:prstGeom prst="rect">
+            <a:avLst/>
+          </a:prstGeom>
+          <a:noFill/>
+          <a:ln>
+            <a:solidFill>
+              <a:schemeClr val="tx1"/>
+            </a:solidFill>
+          </a:ln>
+        </p:spPr>
+        <p:style>
+          <a:lnRef idx="2">
+            <a:schemeClr val="accent1">
+              <a:shade val="50000"/>
+            </a:schemeClr>
+          </a:lnRef>
+          <a:fillRef idx="1">
+            <a:schemeClr val="accent1"/>
+          </a:fillRef>
+          <a:effectRef idx="0">
+            <a:schemeClr val="accent1"/>
+          </a:effectRef>
+          <a:fontRef idx="minor">
+            <a:schemeClr val="lt1"/>
+          </a:fontRef>
+        </p:style>
+        <p:txBody>
+          <a:bodyPr rtlCol="0" anchor="ctr"/>
+          <a:lstStyle/>
+          <a:p>
+            <a:pPr algn="ctr"/>
+            <a:r>
+              <a:rPr lang="en-US" altLang="ko-KR" sz="2500">
+                <a:solidFill>
+                  <a:schemeClr val="tx1"/>
+                </a:solidFill>
+                <a:latin typeface="Chiller" panose="04020404031007020602" pitchFamily="82" charset="0"/>
+              </a:rPr>
+              <a:t>R</a:t>
+            </a:r>
+            <a:endParaRPr lang="ko-KR" altLang="en-US" sz="2500">
+              <a:solidFill>
+                <a:schemeClr val="tx1"/>
+              </a:solidFill>
+              <a:latin typeface="Chiller" panose="04020404031007020602" pitchFamily="82" charset="0"/>
+            </a:endParaRPr>
+          </a:p>
+        </p:txBody>
+      </p:sp>
+      <p:sp>
+        <p:nvSpPr>
+          <p:cNvPr id="17" name="TextBox 16">
+            <a:extLst>
+              <a:ext uri="{FF2B5EF4-FFF2-40B4-BE49-F238E27FC236}">
+                <a16:creationId xmlns:a16="http://schemas.microsoft.com/office/drawing/2014/main" id="{003B1F30-5B0F-4E3E-8D6C-6A3D97E811BC}"/>
+              </a:ext>
+            </a:extLst>
+          </p:cNvPr>
+          <p:cNvSpPr txBox="1"/>
+          <p:nvPr/>
+        </p:nvSpPr>
+        <p:spPr>
+          <a:xfrm>
+            <a:off x="5410899" y="4663763"/>
+            <a:ext cx="2447521" cy="553998"/>
+          </a:xfrm>
+          <a:prstGeom prst="rect">
+            <a:avLst/>
+          </a:prstGeom>
+          <a:noFill/>
+        </p:spPr>
+        <p:txBody>
+          <a:bodyPr wrap="square" rtlCol="0">
+            <a:spAutoFit/>
+          </a:bodyPr>
+          <a:lstStyle/>
+          <a:p>
+            <a:r>
+              <a:rPr lang="en-US" altLang="ko-KR" sz="3000" b="1">
+                <a:latin typeface="Chiller" panose="04020404031007020602" pitchFamily="82" charset="0"/>
+              </a:rPr>
+              <a:t>: Reload</a:t>
+            </a:r>
+            <a:endParaRPr lang="ko-KR" altLang="en-US" sz="3000" b="1">
+              <a:latin typeface="Chiller" panose="04020404031007020602" pitchFamily="82" charset="0"/>
+            </a:endParaRPr>
+          </a:p>
+        </p:txBody>
+      </p:sp>
+      <p:sp>
+        <p:nvSpPr>
+          <p:cNvPr id="18" name="직사각형 17">
+            <a:extLst>
+              <a:ext uri="{FF2B5EF4-FFF2-40B4-BE49-F238E27FC236}">
+                <a16:creationId xmlns:a16="http://schemas.microsoft.com/office/drawing/2014/main" id="{FE36A297-7085-49AD-8D3E-E5BDBC33EDD6}"/>
+              </a:ext>
+            </a:extLst>
+          </p:cNvPr>
+          <p:cNvSpPr/>
+          <p:nvPr/>
+        </p:nvSpPr>
+        <p:spPr>
+          <a:xfrm>
+            <a:off x="4126146" y="5699285"/>
+            <a:ext cx="1053131" cy="360726"/>
+          </a:xfrm>
+          <a:prstGeom prst="rect">
+            <a:avLst/>
+          </a:prstGeom>
+          <a:noFill/>
+          <a:ln>
+            <a:solidFill>
+              <a:schemeClr val="tx1"/>
+            </a:solidFill>
+          </a:ln>
+        </p:spPr>
+        <p:style>
+          <a:lnRef idx="2">
+            <a:schemeClr val="accent1">
+              <a:shade val="50000"/>
+            </a:schemeClr>
+          </a:lnRef>
+          <a:fillRef idx="1">
+            <a:schemeClr val="accent1"/>
+          </a:fillRef>
+          <a:effectRef idx="0">
+            <a:schemeClr val="accent1"/>
+          </a:effectRef>
+          <a:fontRef idx="minor">
+            <a:schemeClr val="lt1"/>
+          </a:fontRef>
+        </p:style>
+        <p:txBody>
+          <a:bodyPr rtlCol="0" anchor="ctr"/>
+          <a:lstStyle/>
+          <a:p>
+            <a:pPr algn="ctr"/>
+            <a:r>
+              <a:rPr lang="en-US" altLang="ko-KR" sz="2500">
+                <a:solidFill>
+                  <a:schemeClr val="tx1"/>
+                </a:solidFill>
+                <a:latin typeface="Chiller" panose="04020404031007020602" pitchFamily="82" charset="0"/>
+              </a:rPr>
+              <a:t>Shitf</a:t>
+            </a:r>
+            <a:endParaRPr lang="ko-KR" altLang="en-US" sz="2500">
+              <a:solidFill>
+                <a:schemeClr val="tx1"/>
+              </a:solidFill>
+              <a:latin typeface="Chiller" panose="04020404031007020602" pitchFamily="82" charset="0"/>
+            </a:endParaRPr>
+          </a:p>
+        </p:txBody>
+      </p:sp>
+      <p:sp>
+        <p:nvSpPr>
+          <p:cNvPr id="19" name="TextBox 18">
+            <a:extLst>
+              <a:ext uri="{FF2B5EF4-FFF2-40B4-BE49-F238E27FC236}">
+                <a16:creationId xmlns:a16="http://schemas.microsoft.com/office/drawing/2014/main" id="{90D0C872-A7BA-4B48-AE1E-FA84982D940E}"/>
+              </a:ext>
+            </a:extLst>
+          </p:cNvPr>
+          <p:cNvSpPr txBox="1"/>
+          <p:nvPr/>
+        </p:nvSpPr>
+        <p:spPr>
+          <a:xfrm>
+            <a:off x="5411023" y="5566761"/>
+            <a:ext cx="2447521" cy="553998"/>
+          </a:xfrm>
+          <a:prstGeom prst="rect">
+            <a:avLst/>
+          </a:prstGeom>
+          <a:noFill/>
+        </p:spPr>
+        <p:txBody>
+          <a:bodyPr wrap="square" rtlCol="0">
+            <a:spAutoFit/>
+          </a:bodyPr>
+          <a:lstStyle/>
+          <a:p>
+            <a:r>
+              <a:rPr lang="en-US" altLang="ko-KR" sz="3000" b="1">
+                <a:latin typeface="Chiller" panose="04020404031007020602" pitchFamily="82" charset="0"/>
+              </a:rPr>
+              <a:t>: Run</a:t>
+            </a:r>
+            <a:endParaRPr lang="ko-KR" altLang="en-US" sz="3000" b="1">
+              <a:latin typeface="Chiller" panose="04020404031007020602" pitchFamily="82" charset="0"/>
+            </a:endParaRPr>
+          </a:p>
+        </p:txBody>
+      </p:sp>
+    </p:spTree>
+    <p:extLst>
+      <p:ext uri="{BB962C8B-B14F-4D97-AF65-F5344CB8AC3E}">
+        <p14:creationId xmlns:p14="http://schemas.microsoft.com/office/powerpoint/2010/main" val="3176008498"/>
+      </p:ext>
+    </p:extLst>
+  </p:cSld>
+  <p:clrMapOvr>
+    <a:masterClrMapping/>
+  </p:clrMapOvr>
+</p:sld>
+</file>
+
+<file path=ppt/slides/slide22.xml><?xml version="1.0" encoding="utf-8"?>
+<p:sld xmlns:a="http://schemas.openxmlformats.org/drawingml/2006/main" xmlns:r="http://schemas.openxmlformats.org/officeDocument/2006/relationships" xmlns:p="http://schemas.openxmlformats.org/presentationml/2006/main">
+  <p:cSld>
+    <p:spTree>
+      <p:nvGrpSpPr>
+        <p:cNvPr id="1" name=""/>
+        <p:cNvGrpSpPr/>
+        <p:nvPr/>
+      </p:nvGrpSpPr>
+      <p:grpSpPr>
+        <a:xfrm>
+          <a:off x="0" y="0"/>
+          <a:ext cx="0" cy="0"/>
+          <a:chOff x="0" y="0"/>
+          <a:chExt cx="0" cy="0"/>
+        </a:xfrm>
+      </p:grpSpPr>
+      <p:pic>
+        <p:nvPicPr>
+          <p:cNvPr id="4" name="그림 3" descr="앉아있는, 테이블, 실내, 컴퓨터이(가) 표시된 사진&#10;&#10;자동 생성된 설명">
+            <a:extLst>
+              <a:ext uri="{FF2B5EF4-FFF2-40B4-BE49-F238E27FC236}">
+                <a16:creationId xmlns:a16="http://schemas.microsoft.com/office/drawing/2014/main" id="{FD2E97AC-5A41-4C48-B85A-030290A90C92}"/>
+              </a:ext>
+            </a:extLst>
+          </p:cNvPr>
+          <p:cNvPicPr>
+            <a:picLocks noChangeAspect="1"/>
+          </p:cNvPicPr>
+          <p:nvPr/>
+        </p:nvPicPr>
+        <p:blipFill>
+          <a:blip r:embed="rId2">
+            <a:grayscl/>
+            <a:extLst>
+              <a:ext uri="{28A0092B-C50C-407E-A947-70E740481C1C}">
+                <a14:useLocalDpi xmlns:a14="http://schemas.microsoft.com/office/drawing/2010/main" val="0"/>
+              </a:ext>
+            </a:extLst>
+          </a:blip>
+          <a:stretch>
+            <a:fillRect/>
+          </a:stretch>
+        </p:blipFill>
+        <p:spPr>
+          <a:xfrm>
+            <a:off x="3256837" y="-112362"/>
+            <a:ext cx="5262012" cy="7113026"/>
+          </a:xfrm>
+          <a:prstGeom prst="rect">
+            <a:avLst/>
+          </a:prstGeom>
+        </p:spPr>
+      </p:pic>
+      <p:pic>
+        <p:nvPicPr>
+          <p:cNvPr id="5" name="Picture 4" descr="Brush PNG Images, Brush Stroke, Brush Effect Clipart Download ...">
+            <a:extLst>
+              <a:ext uri="{FF2B5EF4-FFF2-40B4-BE49-F238E27FC236}">
+                <a16:creationId xmlns:a16="http://schemas.microsoft.com/office/drawing/2014/main" id="{10E1C1BC-F547-4B38-83A1-04A47EF1419E}"/>
+              </a:ext>
+            </a:extLst>
+          </p:cNvPr>
+          <p:cNvPicPr>
+            <a:picLocks noChangeAspect="1" noChangeArrowheads="1"/>
+          </p:cNvPicPr>
+          <p:nvPr/>
+        </p:nvPicPr>
+        <p:blipFill>
+          <a:blip r:embed="rId3">
+            <a:extLst>
+              <a:ext uri="{28A0092B-C50C-407E-A947-70E740481C1C}">
+                <a14:useLocalDpi xmlns:a14="http://schemas.microsoft.com/office/drawing/2010/main" val="0"/>
+              </a:ext>
+            </a:extLst>
+          </a:blip>
+          <a:srcRect/>
+          <a:stretch>
+            <a:fillRect/>
+          </a:stretch>
+        </p:blipFill>
+        <p:spPr bwMode="auto">
+          <a:xfrm>
+            <a:off x="4453824" y="1352788"/>
+            <a:ext cx="3119709" cy="1103347"/>
+          </a:xfrm>
+          <a:prstGeom prst="rect">
+            <a:avLst/>
+          </a:prstGeom>
+          <a:noFill/>
+          <a:extLst>
+            <a:ext uri="{909E8E84-426E-40DD-AFC4-6F175D3DCCD1}">
+              <a14:hiddenFill xmlns:a14="http://schemas.microsoft.com/office/drawing/2010/main">
+                <a:solidFill>
+                  <a:srgbClr val="FFFFFF"/>
+                </a:solidFill>
+              </a14:hiddenFill>
+            </a:ext>
+          </a:extLst>
+        </p:spPr>
+      </p:pic>
+      <p:sp>
+        <p:nvSpPr>
+          <p:cNvPr id="6" name="TextBox 5">
+            <a:extLst>
+              <a:ext uri="{FF2B5EF4-FFF2-40B4-BE49-F238E27FC236}">
+                <a16:creationId xmlns:a16="http://schemas.microsoft.com/office/drawing/2014/main" id="{533A2ED2-E21D-418D-A520-A271DF19A12F}"/>
+              </a:ext>
+            </a:extLst>
+          </p:cNvPr>
+          <p:cNvSpPr txBox="1"/>
+          <p:nvPr/>
+        </p:nvSpPr>
+        <p:spPr>
+          <a:xfrm>
+            <a:off x="4012903" y="1593907"/>
+            <a:ext cx="3914693" cy="461665"/>
+          </a:xfrm>
+          <a:prstGeom prst="rect">
+            <a:avLst/>
+          </a:prstGeom>
+          <a:noFill/>
+        </p:spPr>
+        <p:txBody>
+          <a:bodyPr wrap="square" rtlCol="0">
+            <a:spAutoFit/>
+          </a:bodyPr>
+          <a:lstStyle/>
+          <a:p>
+            <a:pPr algn="ctr"/>
+            <a:r>
+              <a:rPr lang="en-US" altLang="ko-KR" sz="2400" b="1">
+                <a:solidFill>
+                  <a:schemeClr val="bg1"/>
+                </a:solidFill>
+                <a:latin typeface="Chiller" panose="04020404031007020602" pitchFamily="82" charset="0"/>
+              </a:rPr>
+              <a:t>HOW TO SURVIVE</a:t>
+            </a:r>
+            <a:endParaRPr lang="ko-KR" altLang="en-US" sz="2400" b="1">
+              <a:solidFill>
+                <a:schemeClr val="bg1"/>
+              </a:solidFill>
+              <a:latin typeface="Chiller" panose="04020404031007020602" pitchFamily="82" charset="0"/>
+            </a:endParaRPr>
+          </a:p>
+        </p:txBody>
+      </p:sp>
+      <p:pic>
+        <p:nvPicPr>
+          <p:cNvPr id="8" name="그림 7" descr="개체, 시계, 측정기이(가) 표시된 사진&#10;&#10;자동 생성된 설명">
+            <a:extLst>
+              <a:ext uri="{FF2B5EF4-FFF2-40B4-BE49-F238E27FC236}">
+                <a16:creationId xmlns:a16="http://schemas.microsoft.com/office/drawing/2014/main" id="{708EEA53-FA85-4990-ACF3-4C0489757B17}"/>
+              </a:ext>
+            </a:extLst>
+          </p:cNvPr>
+          <p:cNvPicPr>
+            <a:picLocks noChangeAspect="1"/>
+          </p:cNvPicPr>
+          <p:nvPr/>
+        </p:nvPicPr>
+        <p:blipFill>
+          <a:blip r:embed="rId4">
+            <a:extLst>
+              <a:ext uri="{28A0092B-C50C-407E-A947-70E740481C1C}">
+                <a14:useLocalDpi xmlns:a14="http://schemas.microsoft.com/office/drawing/2010/main" val="0"/>
+              </a:ext>
+            </a:extLst>
+          </a:blip>
+          <a:stretch>
+            <a:fillRect/>
+          </a:stretch>
+        </p:blipFill>
+        <p:spPr>
+          <a:xfrm>
+            <a:off x="4246849" y="4212372"/>
+            <a:ext cx="413945" cy="413945"/>
+          </a:xfrm>
+          <a:prstGeom prst="rect">
+            <a:avLst/>
+          </a:prstGeom>
+        </p:spPr>
+      </p:pic>
+      <p:pic>
+        <p:nvPicPr>
+          <p:cNvPr id="10" name="그림 9" descr="플레이트, 그리기이(가) 표시된 사진&#10;&#10;자동 생성된 설명">
+            <a:extLst>
+              <a:ext uri="{FF2B5EF4-FFF2-40B4-BE49-F238E27FC236}">
+                <a16:creationId xmlns:a16="http://schemas.microsoft.com/office/drawing/2014/main" id="{1C21F1B6-28F5-412E-AFA9-B4F1F930AB0E}"/>
+              </a:ext>
+            </a:extLst>
+          </p:cNvPr>
+          <p:cNvPicPr>
+            <a:picLocks noChangeAspect="1"/>
+          </p:cNvPicPr>
+          <p:nvPr/>
+        </p:nvPicPr>
+        <p:blipFill>
+          <a:blip r:embed="rId5">
+            <a:extLst>
+              <a:ext uri="{28A0092B-C50C-407E-A947-70E740481C1C}">
+                <a14:useLocalDpi xmlns:a14="http://schemas.microsoft.com/office/drawing/2010/main" val="0"/>
+              </a:ext>
+            </a:extLst>
+          </a:blip>
+          <a:stretch>
+            <a:fillRect/>
+          </a:stretch>
+        </p:blipFill>
+        <p:spPr>
+          <a:xfrm>
+            <a:off x="4141293" y="5670433"/>
+            <a:ext cx="625059" cy="625059"/>
+          </a:xfrm>
+          <a:prstGeom prst="rect">
+            <a:avLst/>
+          </a:prstGeom>
+        </p:spPr>
+      </p:pic>
+      <p:pic>
+        <p:nvPicPr>
+          <p:cNvPr id="12" name="그림 11" descr="시계이(가) 표시된 사진&#10;&#10;자동 생성된 설명">
+            <a:extLst>
+              <a:ext uri="{FF2B5EF4-FFF2-40B4-BE49-F238E27FC236}">
+                <a16:creationId xmlns:a16="http://schemas.microsoft.com/office/drawing/2014/main" id="{76E8519E-91C1-4729-90D1-48C6C52A6581}"/>
+              </a:ext>
+            </a:extLst>
+          </p:cNvPr>
+          <p:cNvPicPr>
+            <a:picLocks noChangeAspect="1"/>
+          </p:cNvPicPr>
+          <p:nvPr/>
+        </p:nvPicPr>
+        <p:blipFill>
+          <a:blip r:embed="rId6">
+            <a:extLst>
+              <a:ext uri="{28A0092B-C50C-407E-A947-70E740481C1C}">
+                <a14:useLocalDpi xmlns:a14="http://schemas.microsoft.com/office/drawing/2010/main" val="0"/>
+              </a:ext>
+            </a:extLst>
+          </a:blip>
+          <a:stretch>
+            <a:fillRect/>
+          </a:stretch>
+        </p:blipFill>
+        <p:spPr>
+          <a:xfrm>
+            <a:off x="4224961" y="4948048"/>
+            <a:ext cx="457720" cy="457720"/>
+          </a:xfrm>
+          <a:prstGeom prst="rect">
+            <a:avLst/>
+          </a:prstGeom>
+        </p:spPr>
+      </p:pic>
+      <p:sp>
+        <p:nvSpPr>
+          <p:cNvPr id="14" name="TextBox 13">
+            <a:extLst>
+              <a:ext uri="{FF2B5EF4-FFF2-40B4-BE49-F238E27FC236}">
+                <a16:creationId xmlns:a16="http://schemas.microsoft.com/office/drawing/2014/main" id="{C728E4C9-A238-44C2-A670-2245FC0862B3}"/>
+              </a:ext>
+            </a:extLst>
+          </p:cNvPr>
+          <p:cNvSpPr txBox="1"/>
+          <p:nvPr/>
+        </p:nvSpPr>
+        <p:spPr>
+          <a:xfrm>
+            <a:off x="4012903" y="2132756"/>
+            <a:ext cx="3845517" cy="923330"/>
+          </a:xfrm>
+          <a:prstGeom prst="rect">
+            <a:avLst/>
+          </a:prstGeom>
+          <a:noFill/>
+        </p:spPr>
+        <p:txBody>
+          <a:bodyPr wrap="square" rtlCol="0">
+            <a:spAutoFit/>
+          </a:bodyPr>
+          <a:lstStyle/>
+          <a:p>
+            <a:pPr algn="ctr"/>
+            <a:r>
+              <a:rPr lang="en-US" altLang="ko-KR">
+                <a:latin typeface="Chiller" panose="04020404031007020602" pitchFamily="82" charset="0"/>
+              </a:rPr>
+              <a:t>You're stuck in the lab. </a:t>
+            </a:r>
+          </a:p>
+          <a:p>
+            <a:pPr algn="ctr"/>
+            <a:r>
+              <a:rPr lang="en-US" altLang="ko-KR">
+                <a:latin typeface="Chiller" panose="04020404031007020602" pitchFamily="82" charset="0"/>
+              </a:rPr>
+              <a:t>Survive as long as you can and </a:t>
+            </a:r>
+          </a:p>
+          <a:p>
+            <a:pPr algn="ctr"/>
+            <a:r>
+              <a:rPr lang="en-US" altLang="ko-KR">
+                <a:latin typeface="Chiller" panose="04020404031007020602" pitchFamily="82" charset="0"/>
+              </a:rPr>
+              <a:t>find out the secrets of this facility.</a:t>
+            </a:r>
+            <a:endParaRPr lang="ko-KR" altLang="en-US" sz="3000" b="1">
+              <a:latin typeface="Chiller" panose="04020404031007020602" pitchFamily="82" charset="0"/>
+            </a:endParaRPr>
+          </a:p>
+        </p:txBody>
+      </p:sp>
+      <p:pic>
+        <p:nvPicPr>
+          <p:cNvPr id="16" name="Picture 4" descr="Brush PNG Images, Brush Stroke, Brush Effect Clipart Download ...">
+            <a:extLst>
+              <a:ext uri="{FF2B5EF4-FFF2-40B4-BE49-F238E27FC236}">
+                <a16:creationId xmlns:a16="http://schemas.microsoft.com/office/drawing/2014/main" id="{7FB1B688-3429-46BF-9810-8C90001E0BBA}"/>
+              </a:ext>
+            </a:extLst>
+          </p:cNvPr>
+          <p:cNvPicPr>
+            <a:picLocks noChangeAspect="1" noChangeArrowheads="1"/>
+          </p:cNvPicPr>
+          <p:nvPr/>
+        </p:nvPicPr>
+        <p:blipFill>
+          <a:blip r:embed="rId3">
+            <a:extLst>
+              <a:ext uri="{28A0092B-C50C-407E-A947-70E740481C1C}">
+                <a14:useLocalDpi xmlns:a14="http://schemas.microsoft.com/office/drawing/2010/main" val="0"/>
+              </a:ext>
+            </a:extLst>
+          </a:blip>
+          <a:srcRect/>
+          <a:stretch>
+            <a:fillRect/>
+          </a:stretch>
+        </p:blipFill>
+        <p:spPr bwMode="auto">
+          <a:xfrm>
+            <a:off x="5021822" y="3003879"/>
+            <a:ext cx="2148356" cy="569901"/>
+          </a:xfrm>
+          <a:prstGeom prst="rect">
+            <a:avLst/>
+          </a:prstGeom>
+          <a:noFill/>
+          <a:extLst>
+            <a:ext uri="{909E8E84-426E-40DD-AFC4-6F175D3DCCD1}">
+              <a14:hiddenFill xmlns:a14="http://schemas.microsoft.com/office/drawing/2010/main">
+                <a:solidFill>
+                  <a:srgbClr val="FFFFFF"/>
+                </a:solidFill>
+              </a14:hiddenFill>
+            </a:ext>
+          </a:extLst>
+        </p:spPr>
+      </p:pic>
+      <p:sp>
+        <p:nvSpPr>
+          <p:cNvPr id="15" name="TextBox 14">
+            <a:extLst>
+              <a:ext uri="{FF2B5EF4-FFF2-40B4-BE49-F238E27FC236}">
+                <a16:creationId xmlns:a16="http://schemas.microsoft.com/office/drawing/2014/main" id="{6311884C-0E66-4060-A02F-520830489943}"/>
+              </a:ext>
+            </a:extLst>
+          </p:cNvPr>
+          <p:cNvSpPr txBox="1"/>
+          <p:nvPr/>
+        </p:nvSpPr>
+        <p:spPr>
+          <a:xfrm>
+            <a:off x="4011752" y="3001324"/>
+            <a:ext cx="3914693" cy="1015663"/>
+          </a:xfrm>
+          <a:prstGeom prst="rect">
+            <a:avLst/>
+          </a:prstGeom>
+          <a:noFill/>
+        </p:spPr>
+        <p:txBody>
+          <a:bodyPr wrap="square" rtlCol="0">
+            <a:spAutoFit/>
+          </a:bodyPr>
+          <a:lstStyle/>
+          <a:p>
+            <a:pPr algn="ctr"/>
+            <a:r>
+              <a:rPr lang="en-US" altLang="ko-KR" sz="2400" b="1">
+                <a:solidFill>
+                  <a:schemeClr val="bg1"/>
+                </a:solidFill>
+                <a:latin typeface="Chiller" panose="04020404031007020602" pitchFamily="82" charset="0"/>
+              </a:rPr>
+              <a:t> survival factor </a:t>
+            </a:r>
+          </a:p>
+          <a:p>
+            <a:pPr algn="ctr"/>
+            <a:r>
+              <a:rPr lang="en-US" altLang="ko-KR">
+                <a:latin typeface="Chiller" panose="04020404031007020602" pitchFamily="82" charset="0"/>
+              </a:rPr>
+              <a:t>Be careful not to lose the following factors. </a:t>
+            </a:r>
+            <a:br>
+              <a:rPr lang="en-US" altLang="ko-KR">
+                <a:latin typeface="Chiller" panose="04020404031007020602" pitchFamily="82" charset="0"/>
+              </a:rPr>
+            </a:br>
+            <a:r>
+              <a:rPr lang="en-US" altLang="ko-KR">
+                <a:latin typeface="Chiller" panose="04020404031007020602" pitchFamily="82" charset="0"/>
+              </a:rPr>
+              <a:t>You will be defeated if any one of them is zero. </a:t>
+            </a:r>
+            <a:endParaRPr lang="ko-KR" altLang="en-US" sz="2400">
+              <a:latin typeface="Chiller" panose="04020404031007020602" pitchFamily="82" charset="0"/>
+            </a:endParaRPr>
+          </a:p>
+        </p:txBody>
+      </p:sp>
+      <p:sp>
+        <p:nvSpPr>
+          <p:cNvPr id="17" name="TextBox 16">
+            <a:extLst>
+              <a:ext uri="{FF2B5EF4-FFF2-40B4-BE49-F238E27FC236}">
+                <a16:creationId xmlns:a16="http://schemas.microsoft.com/office/drawing/2014/main" id="{CAC1014B-F1F0-4CED-97E1-EEFA467D4A4A}"/>
+              </a:ext>
+            </a:extLst>
+          </p:cNvPr>
+          <p:cNvSpPr txBox="1"/>
+          <p:nvPr/>
+        </p:nvSpPr>
+        <p:spPr>
+          <a:xfrm>
+            <a:off x="4766353" y="3990030"/>
+            <a:ext cx="3092068" cy="830997"/>
+          </a:xfrm>
+          <a:prstGeom prst="rect">
+            <a:avLst/>
+          </a:prstGeom>
+          <a:noFill/>
+        </p:spPr>
+        <p:txBody>
+          <a:bodyPr wrap="square" rtlCol="0">
+            <a:spAutoFit/>
+          </a:bodyPr>
+          <a:lstStyle/>
+          <a:p>
+            <a:r>
+              <a:rPr lang="en-US" altLang="ko-KR" b="1">
+                <a:latin typeface="Chiller" panose="04020404031007020602" pitchFamily="82" charset="0"/>
+              </a:rPr>
+              <a:t>Health Point (HP) </a:t>
+            </a:r>
+            <a:r>
+              <a:rPr lang="en-US" altLang="ko-KR">
+                <a:latin typeface="Chiller" panose="04020404031007020602" pitchFamily="82" charset="0"/>
+              </a:rPr>
+              <a:t>:</a:t>
+            </a:r>
+          </a:p>
+          <a:p>
+            <a:r>
+              <a:rPr lang="en-US" altLang="ko-KR" sz="1500">
+                <a:latin typeface="Chiller" panose="04020404031007020602" pitchFamily="82" charset="0"/>
+              </a:rPr>
+              <a:t>If attacked by an enemy, it will decrease. </a:t>
+            </a:r>
+          </a:p>
+          <a:p>
+            <a:r>
+              <a:rPr lang="en-US" altLang="ko-KR" sz="1500">
+                <a:latin typeface="Chiller" panose="04020404031007020602" pitchFamily="82" charset="0"/>
+              </a:rPr>
+              <a:t>Use of the Medicine item to recover.</a:t>
+            </a:r>
+            <a:endParaRPr lang="ko-KR" altLang="en-US" sz="1500">
+              <a:latin typeface="Chiller" panose="04020404031007020602" pitchFamily="82" charset="0"/>
+            </a:endParaRPr>
+          </a:p>
+        </p:txBody>
+      </p:sp>
+      <p:sp>
+        <p:nvSpPr>
+          <p:cNvPr id="18" name="TextBox 17">
+            <a:extLst>
+              <a:ext uri="{FF2B5EF4-FFF2-40B4-BE49-F238E27FC236}">
+                <a16:creationId xmlns:a16="http://schemas.microsoft.com/office/drawing/2014/main" id="{0FE38D33-5BB8-4C8B-A8A2-FA5241156F77}"/>
+              </a:ext>
+            </a:extLst>
+          </p:cNvPr>
+          <p:cNvSpPr txBox="1"/>
+          <p:nvPr/>
+        </p:nvSpPr>
+        <p:spPr>
+          <a:xfrm>
+            <a:off x="4766352" y="4761410"/>
+            <a:ext cx="3092068" cy="830997"/>
+          </a:xfrm>
+          <a:prstGeom prst="rect">
+            <a:avLst/>
+          </a:prstGeom>
+          <a:noFill/>
+        </p:spPr>
+        <p:txBody>
+          <a:bodyPr wrap="square" rtlCol="0">
+            <a:spAutoFit/>
+          </a:bodyPr>
+          <a:lstStyle/>
+          <a:p>
+            <a:r>
+              <a:rPr lang="en-US" altLang="ko-KR" b="1">
+                <a:latin typeface="Chiller" panose="04020404031007020602" pitchFamily="82" charset="0"/>
+              </a:rPr>
+              <a:t>Thirsty </a:t>
+            </a:r>
+            <a:r>
+              <a:rPr lang="en-US" altLang="ko-KR">
+                <a:latin typeface="Chiller" panose="04020404031007020602" pitchFamily="82" charset="0"/>
+              </a:rPr>
+              <a:t>:</a:t>
+            </a:r>
+          </a:p>
+          <a:p>
+            <a:r>
+              <a:rPr lang="en-US" altLang="ko-KR" sz="1500">
+                <a:latin typeface="Chiller" panose="04020404031007020602" pitchFamily="82" charset="0"/>
+              </a:rPr>
+              <a:t>Decrease with each passing day.</a:t>
+            </a:r>
+          </a:p>
+          <a:p>
+            <a:r>
+              <a:rPr lang="en-US" altLang="ko-KR" sz="1500">
+                <a:latin typeface="Chiller" panose="04020404031007020602" pitchFamily="82" charset="0"/>
+              </a:rPr>
+              <a:t>Drink water and you'll recover.</a:t>
+            </a:r>
+            <a:endParaRPr lang="ko-KR" altLang="en-US" sz="1500">
+              <a:latin typeface="Chiller" panose="04020404031007020602" pitchFamily="82" charset="0"/>
+            </a:endParaRPr>
+          </a:p>
+        </p:txBody>
+      </p:sp>
+      <p:sp>
+        <p:nvSpPr>
+          <p:cNvPr id="19" name="TextBox 18">
+            <a:extLst>
+              <a:ext uri="{FF2B5EF4-FFF2-40B4-BE49-F238E27FC236}">
+                <a16:creationId xmlns:a16="http://schemas.microsoft.com/office/drawing/2014/main" id="{4D3CB7F9-6F21-4F6D-9012-205BD2733F2E}"/>
+              </a:ext>
+            </a:extLst>
+          </p:cNvPr>
+          <p:cNvSpPr txBox="1"/>
+          <p:nvPr/>
+        </p:nvSpPr>
+        <p:spPr>
+          <a:xfrm>
+            <a:off x="4766352" y="5529637"/>
+            <a:ext cx="3092068" cy="830997"/>
+          </a:xfrm>
+          <a:prstGeom prst="rect">
+            <a:avLst/>
+          </a:prstGeom>
+          <a:noFill/>
+        </p:spPr>
+        <p:txBody>
+          <a:bodyPr wrap="square" rtlCol="0">
+            <a:spAutoFit/>
+          </a:bodyPr>
+          <a:lstStyle/>
+          <a:p>
+            <a:r>
+              <a:rPr lang="en-US" altLang="ko-KR" b="1">
+                <a:latin typeface="Chiller" panose="04020404031007020602" pitchFamily="82" charset="0"/>
+              </a:rPr>
+              <a:t>Hungry </a:t>
+            </a:r>
+            <a:r>
+              <a:rPr lang="en-US" altLang="ko-KR">
+                <a:latin typeface="Chiller" panose="04020404031007020602" pitchFamily="82" charset="0"/>
+              </a:rPr>
+              <a:t>:</a:t>
+            </a:r>
+          </a:p>
+          <a:p>
+            <a:r>
+              <a:rPr lang="en-US" altLang="ko-KR" sz="1500">
+                <a:latin typeface="Chiller" panose="04020404031007020602" pitchFamily="82" charset="0"/>
+              </a:rPr>
+              <a:t>Decrease with each passing day.</a:t>
+            </a:r>
+          </a:p>
+          <a:p>
+            <a:r>
+              <a:rPr lang="en-US" altLang="ko-KR" sz="1500">
+                <a:latin typeface="Chiller" panose="04020404031007020602" pitchFamily="82" charset="0"/>
+              </a:rPr>
+              <a:t>Eat Food and you'll recover.</a:t>
+            </a:r>
+            <a:endParaRPr lang="ko-KR" altLang="en-US" sz="1500">
+              <a:latin typeface="Chiller" panose="04020404031007020602" pitchFamily="82" charset="0"/>
+            </a:endParaRPr>
+          </a:p>
+        </p:txBody>
+      </p:sp>
+    </p:spTree>
+    <p:extLst>
+      <p:ext uri="{BB962C8B-B14F-4D97-AF65-F5344CB8AC3E}">
+        <p14:creationId xmlns:p14="http://schemas.microsoft.com/office/powerpoint/2010/main" val="1526389263"/>
+      </p:ext>
+    </p:extLst>
+  </p:cSld>
+  <p:clrMapOvr>
+    <a:masterClrMapping/>
+  </p:clrMapOvr>
+</p:sld>
+</file>
+
+<file path=ppt/slides/slide23.xml><?xml version="1.0" encoding="utf-8"?>
+<p:sld xmlns:a="http://schemas.openxmlformats.org/drawingml/2006/main" xmlns:r="http://schemas.openxmlformats.org/officeDocument/2006/relationships" xmlns:p="http://schemas.openxmlformats.org/presentationml/2006/main">
+  <p:cSld>
+    <p:spTree>
+      <p:nvGrpSpPr>
+        <p:cNvPr id="1" name=""/>
+        <p:cNvGrpSpPr/>
+        <p:nvPr/>
+      </p:nvGrpSpPr>
+      <p:grpSpPr>
+        <a:xfrm>
+          <a:off x="0" y="0"/>
+          <a:ext cx="0" cy="0"/>
+          <a:chOff x="0" y="0"/>
+          <a:chExt cx="0" cy="0"/>
+        </a:xfrm>
+      </p:grpSpPr>
+      <p:pic>
+        <p:nvPicPr>
+          <p:cNvPr id="4" name="그림 3" descr="앉아있는, 테이블, 실내, 컴퓨터이(가) 표시된 사진&#10;&#10;자동 생성된 설명">
+            <a:extLst>
+              <a:ext uri="{FF2B5EF4-FFF2-40B4-BE49-F238E27FC236}">
+                <a16:creationId xmlns:a16="http://schemas.microsoft.com/office/drawing/2014/main" id="{FD2E97AC-5A41-4C48-B85A-030290A90C92}"/>
+              </a:ext>
+            </a:extLst>
+          </p:cNvPr>
+          <p:cNvPicPr>
+            <a:picLocks noChangeAspect="1"/>
+          </p:cNvPicPr>
+          <p:nvPr/>
+        </p:nvPicPr>
+        <p:blipFill>
+          <a:blip r:embed="rId2">
+            <a:grayscl/>
+            <a:extLst>
+              <a:ext uri="{28A0092B-C50C-407E-A947-70E740481C1C}">
+                <a14:useLocalDpi xmlns:a14="http://schemas.microsoft.com/office/drawing/2010/main" val="0"/>
+              </a:ext>
+            </a:extLst>
+          </a:blip>
+          <a:stretch>
+            <a:fillRect/>
+          </a:stretch>
+        </p:blipFill>
+        <p:spPr>
+          <a:xfrm>
+            <a:off x="3256837" y="-112362"/>
+            <a:ext cx="5262012" cy="7113026"/>
+          </a:xfrm>
+          <a:prstGeom prst="rect">
+            <a:avLst/>
+          </a:prstGeom>
+        </p:spPr>
+      </p:pic>
+      <p:pic>
+        <p:nvPicPr>
+          <p:cNvPr id="5" name="Picture 4" descr="Brush PNG Images, Brush Stroke, Brush Effect Clipart Download ...">
+            <a:extLst>
+              <a:ext uri="{FF2B5EF4-FFF2-40B4-BE49-F238E27FC236}">
+                <a16:creationId xmlns:a16="http://schemas.microsoft.com/office/drawing/2014/main" id="{10E1C1BC-F547-4B38-83A1-04A47EF1419E}"/>
+              </a:ext>
+            </a:extLst>
+          </p:cNvPr>
+          <p:cNvPicPr>
+            <a:picLocks noChangeAspect="1" noChangeArrowheads="1"/>
+          </p:cNvPicPr>
+          <p:nvPr/>
+        </p:nvPicPr>
+        <p:blipFill>
+          <a:blip r:embed="rId3">
+            <a:extLst>
+              <a:ext uri="{28A0092B-C50C-407E-A947-70E740481C1C}">
+                <a14:useLocalDpi xmlns:a14="http://schemas.microsoft.com/office/drawing/2010/main" val="0"/>
+              </a:ext>
+            </a:extLst>
+          </a:blip>
+          <a:srcRect/>
+          <a:stretch>
+            <a:fillRect/>
+          </a:stretch>
+        </p:blipFill>
+        <p:spPr bwMode="auto">
+          <a:xfrm>
+            <a:off x="4453824" y="1352788"/>
+            <a:ext cx="3119709" cy="1103347"/>
+          </a:xfrm>
+          <a:prstGeom prst="rect">
+            <a:avLst/>
+          </a:prstGeom>
+          <a:noFill/>
+          <a:extLst>
+            <a:ext uri="{909E8E84-426E-40DD-AFC4-6F175D3DCCD1}">
+              <a14:hiddenFill xmlns:a14="http://schemas.microsoft.com/office/drawing/2010/main">
+                <a:solidFill>
+                  <a:srgbClr val="FFFFFF"/>
+                </a:solidFill>
+              </a14:hiddenFill>
+            </a:ext>
+          </a:extLst>
+        </p:spPr>
+      </p:pic>
+      <p:sp>
+        <p:nvSpPr>
+          <p:cNvPr id="6" name="TextBox 5">
+            <a:extLst>
+              <a:ext uri="{FF2B5EF4-FFF2-40B4-BE49-F238E27FC236}">
+                <a16:creationId xmlns:a16="http://schemas.microsoft.com/office/drawing/2014/main" id="{533A2ED2-E21D-418D-A520-A271DF19A12F}"/>
+              </a:ext>
+            </a:extLst>
+          </p:cNvPr>
+          <p:cNvSpPr txBox="1"/>
+          <p:nvPr/>
+        </p:nvSpPr>
+        <p:spPr>
+          <a:xfrm>
+            <a:off x="4012903" y="1593907"/>
+            <a:ext cx="3914693" cy="461665"/>
+          </a:xfrm>
+          <a:prstGeom prst="rect">
+            <a:avLst/>
+          </a:prstGeom>
+          <a:noFill/>
+        </p:spPr>
+        <p:txBody>
+          <a:bodyPr wrap="square" rtlCol="0">
+            <a:spAutoFit/>
+          </a:bodyPr>
+          <a:lstStyle/>
+          <a:p>
+            <a:pPr algn="ctr"/>
+            <a:r>
+              <a:rPr lang="en-US" altLang="ko-KR" sz="2400" b="1">
+                <a:solidFill>
+                  <a:schemeClr val="bg1"/>
+                </a:solidFill>
+                <a:latin typeface="Chiller" panose="04020404031007020602" pitchFamily="82" charset="0"/>
+              </a:rPr>
+              <a:t>Laboratory Facilities</a:t>
+            </a:r>
+            <a:endParaRPr lang="ko-KR" altLang="en-US" sz="2400" b="1">
+              <a:solidFill>
+                <a:schemeClr val="bg1"/>
+              </a:solidFill>
+              <a:latin typeface="Chiller" panose="04020404031007020602" pitchFamily="82" charset="0"/>
+            </a:endParaRPr>
+          </a:p>
+        </p:txBody>
+      </p:sp>
+      <p:sp>
+        <p:nvSpPr>
+          <p:cNvPr id="14" name="TextBox 13">
+            <a:extLst>
+              <a:ext uri="{FF2B5EF4-FFF2-40B4-BE49-F238E27FC236}">
+                <a16:creationId xmlns:a16="http://schemas.microsoft.com/office/drawing/2014/main" id="{C728E4C9-A238-44C2-A670-2245FC0862B3}"/>
+              </a:ext>
+            </a:extLst>
+          </p:cNvPr>
+          <p:cNvSpPr txBox="1"/>
+          <p:nvPr/>
+        </p:nvSpPr>
+        <p:spPr>
+          <a:xfrm>
+            <a:off x="4012903" y="2163236"/>
+            <a:ext cx="3845517" cy="646331"/>
+          </a:xfrm>
+          <a:prstGeom prst="rect">
+            <a:avLst/>
+          </a:prstGeom>
+          <a:noFill/>
+        </p:spPr>
+        <p:txBody>
+          <a:bodyPr wrap="square" rtlCol="0">
+            <a:spAutoFit/>
+          </a:bodyPr>
+          <a:lstStyle/>
+          <a:p>
+            <a:pPr algn="ctr"/>
+            <a:r>
+              <a:rPr lang="en-US" altLang="ko-KR">
+                <a:latin typeface="Chiller" panose="04020404031007020602" pitchFamily="82" charset="0"/>
+              </a:rPr>
+              <a:t>There are various facilities in the lab.</a:t>
+            </a:r>
+          </a:p>
+          <a:p>
+            <a:pPr algn="ctr"/>
+            <a:r>
+              <a:rPr lang="en-US" altLang="ko-KR">
+                <a:latin typeface="Chiller" panose="04020404031007020602" pitchFamily="82" charset="0"/>
+              </a:rPr>
+              <a:t>You can use the facilities and they help you survive.</a:t>
+            </a:r>
+          </a:p>
+        </p:txBody>
+      </p:sp>
+      <p:grpSp>
+        <p:nvGrpSpPr>
+          <p:cNvPr id="22" name="그룹 21">
+            <a:extLst>
+              <a:ext uri="{FF2B5EF4-FFF2-40B4-BE49-F238E27FC236}">
+                <a16:creationId xmlns:a16="http://schemas.microsoft.com/office/drawing/2014/main" id="{2D38AA74-7247-4CD7-82DE-F23143EBA780}"/>
+              </a:ext>
+            </a:extLst>
+          </p:cNvPr>
+          <p:cNvGrpSpPr/>
+          <p:nvPr/>
+        </p:nvGrpSpPr>
+        <p:grpSpPr>
+          <a:xfrm>
+            <a:off x="4138573" y="2998953"/>
+            <a:ext cx="630501" cy="3105461"/>
+            <a:chOff x="4198635" y="3173811"/>
+            <a:chExt cx="521075" cy="2566496"/>
+          </a:xfrm>
+        </p:grpSpPr>
+        <p:pic>
+          <p:nvPicPr>
+            <p:cNvPr id="3" name="그림 2" descr="그리기, 시계이(가) 표시된 사진&#10;&#10;자동 생성된 설명">
+              <a:extLst>
+                <a:ext uri="{FF2B5EF4-FFF2-40B4-BE49-F238E27FC236}">
+                  <a16:creationId xmlns:a16="http://schemas.microsoft.com/office/drawing/2014/main" id="{95556677-7D13-4561-9F4E-6676C5F82BEE}"/>
+                </a:ext>
+              </a:extLst>
+            </p:cNvPr>
+            <p:cNvPicPr>
+              <a:picLocks noChangeAspect="1"/>
+            </p:cNvPicPr>
+            <p:nvPr/>
+          </p:nvPicPr>
+          <p:blipFill>
+            <a:blip r:embed="rId4">
+              <a:extLst>
+                <a:ext uri="{28A0092B-C50C-407E-A947-70E740481C1C}">
+                  <a14:useLocalDpi xmlns:a14="http://schemas.microsoft.com/office/drawing/2010/main" val="0"/>
+                </a:ext>
+              </a:extLst>
+            </a:blip>
+            <a:stretch>
+              <a:fillRect/>
+            </a:stretch>
+          </p:blipFill>
+          <p:spPr>
+            <a:xfrm>
+              <a:off x="4198635" y="3859184"/>
+              <a:ext cx="510377" cy="510377"/>
+            </a:xfrm>
+            <a:prstGeom prst="rect">
+              <a:avLst/>
+            </a:prstGeom>
+          </p:spPr>
+        </p:pic>
+        <p:pic>
+          <p:nvPicPr>
+            <p:cNvPr id="9" name="그림 8" descr="컵이(가) 표시된 사진&#10;&#10;자동 생성된 설명">
+              <a:extLst>
+                <a:ext uri="{FF2B5EF4-FFF2-40B4-BE49-F238E27FC236}">
+                  <a16:creationId xmlns:a16="http://schemas.microsoft.com/office/drawing/2014/main" id="{2F094DA3-BF43-42DD-B450-F5B9A18546EE}"/>
+                </a:ext>
+              </a:extLst>
+            </p:cNvPr>
+            <p:cNvPicPr>
+              <a:picLocks noChangeAspect="1"/>
+            </p:cNvPicPr>
+            <p:nvPr/>
+          </p:nvPicPr>
+          <p:blipFill>
+            <a:blip r:embed="rId5">
+              <a:extLst>
+                <a:ext uri="{28A0092B-C50C-407E-A947-70E740481C1C}">
+                  <a14:useLocalDpi xmlns:a14="http://schemas.microsoft.com/office/drawing/2010/main" val="0"/>
+                </a:ext>
+              </a:extLst>
+            </a:blip>
+            <a:stretch>
+              <a:fillRect/>
+            </a:stretch>
+          </p:blipFill>
+          <p:spPr>
+            <a:xfrm>
+              <a:off x="4209333" y="5229930"/>
+              <a:ext cx="510377" cy="510377"/>
+            </a:xfrm>
+            <a:prstGeom prst="rect">
+              <a:avLst/>
+            </a:prstGeom>
+          </p:spPr>
+        </p:pic>
+        <p:pic>
+          <p:nvPicPr>
+            <p:cNvPr id="13" name="그림 12" descr="셔츠이(가) 표시된 사진&#10;&#10;자동 생성된 설명">
+              <a:extLst>
+                <a:ext uri="{FF2B5EF4-FFF2-40B4-BE49-F238E27FC236}">
+                  <a16:creationId xmlns:a16="http://schemas.microsoft.com/office/drawing/2014/main" id="{AB47B7FE-6937-4855-8B27-E263A21705C8}"/>
+                </a:ext>
+              </a:extLst>
+            </p:cNvPr>
+            <p:cNvPicPr>
+              <a:picLocks noChangeAspect="1"/>
+            </p:cNvPicPr>
+            <p:nvPr/>
+          </p:nvPicPr>
+          <p:blipFill>
+            <a:blip r:embed="rId6">
+              <a:extLst>
+                <a:ext uri="{28A0092B-C50C-407E-A947-70E740481C1C}">
+                  <a14:useLocalDpi xmlns:a14="http://schemas.microsoft.com/office/drawing/2010/main" val="0"/>
+                </a:ext>
+              </a:extLst>
+            </a:blip>
+            <a:stretch>
+              <a:fillRect/>
+            </a:stretch>
+          </p:blipFill>
+          <p:spPr>
+            <a:xfrm>
+              <a:off x="4198635" y="3173811"/>
+              <a:ext cx="510377" cy="510377"/>
+            </a:xfrm>
+            <a:prstGeom prst="rect">
+              <a:avLst/>
+            </a:prstGeom>
+          </p:spPr>
+        </p:pic>
+        <p:pic>
+          <p:nvPicPr>
+            <p:cNvPr id="21" name="그림 20" descr="그리기, 창문이(가) 표시된 사진&#10;&#10;자동 생성된 설명">
+              <a:extLst>
+                <a:ext uri="{FF2B5EF4-FFF2-40B4-BE49-F238E27FC236}">
+                  <a16:creationId xmlns:a16="http://schemas.microsoft.com/office/drawing/2014/main" id="{C66DBD2B-94C8-4571-887E-E155F9FD1727}"/>
+                </a:ext>
+              </a:extLst>
+            </p:cNvPr>
+            <p:cNvPicPr>
+              <a:picLocks noChangeAspect="1"/>
+            </p:cNvPicPr>
+            <p:nvPr/>
+          </p:nvPicPr>
+          <p:blipFill>
+            <a:blip r:embed="rId7">
+              <a:extLst>
+                <a:ext uri="{28A0092B-C50C-407E-A947-70E740481C1C}">
+                  <a14:useLocalDpi xmlns:a14="http://schemas.microsoft.com/office/drawing/2010/main" val="0"/>
+                </a:ext>
+              </a:extLst>
+            </a:blip>
+            <a:stretch>
+              <a:fillRect/>
+            </a:stretch>
+          </p:blipFill>
+          <p:spPr>
+            <a:xfrm>
+              <a:off x="4198635" y="4544557"/>
+              <a:ext cx="510377" cy="510377"/>
+            </a:xfrm>
+            <a:prstGeom prst="rect">
+              <a:avLst/>
+            </a:prstGeom>
+          </p:spPr>
+        </p:pic>
+      </p:grpSp>
+      <p:sp>
+        <p:nvSpPr>
+          <p:cNvPr id="23" name="TextBox 22">
+            <a:extLst>
+              <a:ext uri="{FF2B5EF4-FFF2-40B4-BE49-F238E27FC236}">
+                <a16:creationId xmlns:a16="http://schemas.microsoft.com/office/drawing/2014/main" id="{E5972864-0590-40AB-AC44-103C81B6343A}"/>
+              </a:ext>
+            </a:extLst>
+          </p:cNvPr>
+          <p:cNvSpPr txBox="1"/>
+          <p:nvPr/>
+        </p:nvSpPr>
+        <p:spPr>
+          <a:xfrm>
+            <a:off x="4755194" y="3015344"/>
+            <a:ext cx="3171467" cy="584775"/>
+          </a:xfrm>
+          <a:prstGeom prst="rect">
+            <a:avLst/>
+          </a:prstGeom>
+          <a:noFill/>
+        </p:spPr>
+        <p:txBody>
+          <a:bodyPr wrap="square" rtlCol="0">
+            <a:spAutoFit/>
+          </a:bodyPr>
+          <a:lstStyle/>
+          <a:p>
+            <a:r>
+              <a:rPr lang="en-US" altLang="ko-KR" sz="1600" b="1">
+                <a:latin typeface="Chiller" panose="04020404031007020602" pitchFamily="82" charset="0"/>
+              </a:rPr>
+              <a:t>Medicine</a:t>
+            </a:r>
+            <a:r>
+              <a:rPr lang="en-US" altLang="ko-KR" sz="1600">
+                <a:latin typeface="Chiller" panose="04020404031007020602" pitchFamily="82" charset="0"/>
+              </a:rPr>
+              <a:t> </a:t>
+            </a:r>
+            <a:r>
+              <a:rPr lang="en-US" altLang="ko-KR" sz="1600" b="1">
+                <a:latin typeface="Chiller" panose="04020404031007020602" pitchFamily="82" charset="0"/>
+              </a:rPr>
+              <a:t>Maker</a:t>
+            </a:r>
+            <a:r>
+              <a:rPr lang="en-US" altLang="ko-KR" sz="1600">
+                <a:latin typeface="Chiller" panose="04020404031007020602" pitchFamily="82" charset="0"/>
+              </a:rPr>
+              <a:t> :</a:t>
+            </a:r>
+          </a:p>
+          <a:p>
+            <a:r>
+              <a:rPr lang="en-US" altLang="ko-KR" sz="1600">
+                <a:latin typeface="Chiller" panose="04020404031007020602" pitchFamily="82" charset="0"/>
+              </a:rPr>
+              <a:t>You can make ‘Medicine Item’ in here.</a:t>
+            </a:r>
+          </a:p>
+        </p:txBody>
+      </p:sp>
+      <p:sp>
+        <p:nvSpPr>
+          <p:cNvPr id="24" name="TextBox 23">
+            <a:extLst>
+              <a:ext uri="{FF2B5EF4-FFF2-40B4-BE49-F238E27FC236}">
+                <a16:creationId xmlns:a16="http://schemas.microsoft.com/office/drawing/2014/main" id="{7A313E96-C981-4FC7-9BBE-88C72717EED8}"/>
+              </a:ext>
+            </a:extLst>
+          </p:cNvPr>
+          <p:cNvSpPr txBox="1"/>
+          <p:nvPr/>
+        </p:nvSpPr>
+        <p:spPr>
+          <a:xfrm>
+            <a:off x="4755194" y="3721534"/>
+            <a:ext cx="3171467" cy="830997"/>
+          </a:xfrm>
+          <a:prstGeom prst="rect">
+            <a:avLst/>
+          </a:prstGeom>
+          <a:noFill/>
+        </p:spPr>
+        <p:txBody>
+          <a:bodyPr wrap="square" rtlCol="0">
+            <a:spAutoFit/>
+          </a:bodyPr>
+          <a:lstStyle/>
+          <a:p>
+            <a:r>
+              <a:rPr lang="en-US" altLang="ko-KR" sz="1600" b="1">
+                <a:latin typeface="Chiller" panose="04020404031007020602" pitchFamily="82" charset="0"/>
+              </a:rPr>
+              <a:t>Upgrader</a:t>
+            </a:r>
+            <a:r>
+              <a:rPr lang="en-US" altLang="ko-KR" sz="1600">
+                <a:latin typeface="Chiller" panose="04020404031007020602" pitchFamily="82" charset="0"/>
+              </a:rPr>
+              <a:t> :</a:t>
+            </a:r>
+          </a:p>
+          <a:p>
+            <a:r>
+              <a:rPr lang="en-US" altLang="ko-KR" sz="1600">
+                <a:latin typeface="Chiller" panose="04020404031007020602" pitchFamily="82" charset="0"/>
+              </a:rPr>
+              <a:t>You can upgrade your status.</a:t>
+            </a:r>
+          </a:p>
+          <a:p>
+            <a:r>
+              <a:rPr lang="en-US" altLang="ko-KR" sz="1600">
+                <a:latin typeface="Chiller" panose="04020404031007020602" pitchFamily="82" charset="0"/>
+              </a:rPr>
+              <a:t>You can choose one of three random lists.</a:t>
+            </a:r>
+          </a:p>
+        </p:txBody>
+      </p:sp>
+      <p:sp>
+        <p:nvSpPr>
+          <p:cNvPr id="26" name="TextBox 25">
+            <a:extLst>
+              <a:ext uri="{FF2B5EF4-FFF2-40B4-BE49-F238E27FC236}">
+                <a16:creationId xmlns:a16="http://schemas.microsoft.com/office/drawing/2014/main" id="{726805A9-71D1-4B02-9279-C40B01378712}"/>
+              </a:ext>
+            </a:extLst>
+          </p:cNvPr>
+          <p:cNvSpPr txBox="1"/>
+          <p:nvPr/>
+        </p:nvSpPr>
+        <p:spPr>
+          <a:xfrm>
+            <a:off x="4755194" y="4677977"/>
+            <a:ext cx="3171467" cy="584775"/>
+          </a:xfrm>
+          <a:prstGeom prst="rect">
+            <a:avLst/>
+          </a:prstGeom>
+          <a:noFill/>
+        </p:spPr>
+        <p:txBody>
+          <a:bodyPr wrap="square" rtlCol="0">
+            <a:spAutoFit/>
+          </a:bodyPr>
+          <a:lstStyle/>
+          <a:p>
+            <a:r>
+              <a:rPr lang="en-US" altLang="ko-KR" sz="1600" b="1">
+                <a:latin typeface="Chiller" panose="04020404031007020602" pitchFamily="82" charset="0"/>
+              </a:rPr>
+              <a:t>Water</a:t>
+            </a:r>
+            <a:r>
+              <a:rPr lang="en-US" altLang="ko-KR" sz="1600">
+                <a:latin typeface="Chiller" panose="04020404031007020602" pitchFamily="82" charset="0"/>
+              </a:rPr>
+              <a:t> </a:t>
+            </a:r>
+            <a:r>
+              <a:rPr lang="en-US" altLang="ko-KR" sz="1600" b="1">
+                <a:latin typeface="Chiller" panose="04020404031007020602" pitchFamily="82" charset="0"/>
+              </a:rPr>
+              <a:t>Maker</a:t>
+            </a:r>
+            <a:r>
+              <a:rPr lang="en-US" altLang="ko-KR" sz="1600">
+                <a:latin typeface="Chiller" panose="04020404031007020602" pitchFamily="82" charset="0"/>
+              </a:rPr>
+              <a:t> :</a:t>
+            </a:r>
+          </a:p>
+          <a:p>
+            <a:r>
+              <a:rPr lang="en-US" altLang="ko-KR" sz="1600">
+                <a:latin typeface="Chiller" panose="04020404031007020602" pitchFamily="82" charset="0"/>
+              </a:rPr>
+              <a:t>You can make ‘Water Item’ in here.</a:t>
+            </a:r>
+          </a:p>
+        </p:txBody>
+      </p:sp>
+      <p:sp>
+        <p:nvSpPr>
+          <p:cNvPr id="27" name="TextBox 26">
+            <a:extLst>
+              <a:ext uri="{FF2B5EF4-FFF2-40B4-BE49-F238E27FC236}">
+                <a16:creationId xmlns:a16="http://schemas.microsoft.com/office/drawing/2014/main" id="{9EBC0FD9-D8FD-4705-B03A-5CBAF8F52F96}"/>
+              </a:ext>
+            </a:extLst>
+          </p:cNvPr>
+          <p:cNvSpPr txBox="1"/>
+          <p:nvPr/>
+        </p:nvSpPr>
+        <p:spPr>
+          <a:xfrm>
+            <a:off x="4769074" y="5503248"/>
+            <a:ext cx="3171467" cy="584775"/>
+          </a:xfrm>
+          <a:prstGeom prst="rect">
+            <a:avLst/>
+          </a:prstGeom>
+          <a:noFill/>
+        </p:spPr>
+        <p:txBody>
+          <a:bodyPr wrap="square" rtlCol="0">
+            <a:spAutoFit/>
+          </a:bodyPr>
+          <a:lstStyle/>
+          <a:p>
+            <a:r>
+              <a:rPr lang="en-US" altLang="ko-KR" sz="1600" b="1">
+                <a:latin typeface="Chiller" panose="04020404031007020602" pitchFamily="82" charset="0"/>
+              </a:rPr>
+              <a:t>Food</a:t>
+            </a:r>
+            <a:r>
+              <a:rPr lang="en-US" altLang="ko-KR" sz="1600">
+                <a:latin typeface="Chiller" panose="04020404031007020602" pitchFamily="82" charset="0"/>
+              </a:rPr>
+              <a:t> </a:t>
+            </a:r>
+            <a:r>
+              <a:rPr lang="en-US" altLang="ko-KR" sz="1600" b="1">
+                <a:latin typeface="Chiller" panose="04020404031007020602" pitchFamily="82" charset="0"/>
+              </a:rPr>
+              <a:t>Maker</a:t>
+            </a:r>
+            <a:r>
+              <a:rPr lang="en-US" altLang="ko-KR" sz="1600">
+                <a:latin typeface="Chiller" panose="04020404031007020602" pitchFamily="82" charset="0"/>
+              </a:rPr>
+              <a:t> :</a:t>
+            </a:r>
+          </a:p>
+          <a:p>
+            <a:r>
+              <a:rPr lang="en-US" altLang="ko-KR" sz="1600">
+                <a:latin typeface="Chiller" panose="04020404031007020602" pitchFamily="82" charset="0"/>
+              </a:rPr>
+              <a:t>You can make ‘Food Item’ in here.</a:t>
+            </a:r>
+          </a:p>
+        </p:txBody>
+      </p:sp>
+    </p:spTree>
+    <p:extLst>
+      <p:ext uri="{BB962C8B-B14F-4D97-AF65-F5344CB8AC3E}">
+        <p14:creationId xmlns:p14="http://schemas.microsoft.com/office/powerpoint/2010/main" val="4127557171"/>
+      </p:ext>
+    </p:extLst>
+  </p:cSld>
+  <p:clrMapOvr>
+    <a:masterClrMapping/>
+  </p:clrMapOvr>
+</p:sld>
+</file>
+
 <file path=ppt/slides/slide3.xml><?xml version="1.0" encoding="utf-8"?>
 <p:sld xmlns:a="http://schemas.openxmlformats.org/drawingml/2006/main" xmlns:r="http://schemas.openxmlformats.org/officeDocument/2006/relationships" xmlns:p="http://schemas.openxmlformats.org/presentationml/2006/main">
   <p:cSld>
